--- a/02-status-reports/20190606/fehle_halbhuber_sasse_predict_vr_movement.pptx
+++ b/02-status-reports/20190606/fehle_halbhuber_sasse_predict_vr_movement.pptx
@@ -5,17 +5,24 @@
     <p:sldMasterId id="2147483648" r:id="rId1"/>
   </p:sldMasterIdLst>
   <p:notesMasterIdLst>
-    <p:notesMasterId r:id="rId7"/>
+    <p:notesMasterId r:id="rId14"/>
   </p:notesMasterIdLst>
   <p:handoutMasterIdLst>
-    <p:handoutMasterId r:id="rId8"/>
+    <p:handoutMasterId r:id="rId15"/>
   </p:handoutMasterIdLst>
   <p:sldIdLst>
     <p:sldId id="258" r:id="rId2"/>
-    <p:sldId id="278" r:id="rId3"/>
-    <p:sldId id="279" r:id="rId4"/>
-    <p:sldId id="277" r:id="rId5"/>
-    <p:sldId id="273" r:id="rId6"/>
+    <p:sldId id="286" r:id="rId3"/>
+    <p:sldId id="288" r:id="rId4"/>
+    <p:sldId id="282" r:id="rId5"/>
+    <p:sldId id="283" r:id="rId6"/>
+    <p:sldId id="281" r:id="rId7"/>
+    <p:sldId id="287" r:id="rId8"/>
+    <p:sldId id="280" r:id="rId9"/>
+    <p:sldId id="285" r:id="rId10"/>
+    <p:sldId id="279" r:id="rId11"/>
+    <p:sldId id="277" r:id="rId12"/>
+    <p:sldId id="273" r:id="rId13"/>
   </p:sldIdLst>
   <p:sldSz cx="9144000" cy="6858000" type="screen4x3"/>
   <p:notesSz cx="6858000" cy="9144000"/>
@@ -120,7 +127,14 @@
         <p14:section name="Standardabschnitt" id="{F40A5D0B-1603-43F9-9E54-D260B8E47FF9}">
           <p14:sldIdLst>
             <p14:sldId id="258"/>
-            <p14:sldId id="278"/>
+            <p14:sldId id="286"/>
+            <p14:sldId id="288"/>
+            <p14:sldId id="282"/>
+            <p14:sldId id="283"/>
+            <p14:sldId id="281"/>
+            <p14:sldId id="287"/>
+            <p14:sldId id="280"/>
+            <p14:sldId id="285"/>
             <p14:sldId id="279"/>
             <p14:sldId id="277"/>
           </p14:sldIdLst>
@@ -182,8 +196,8 @@
     <cx:externalData r:id="rId1" cx:autoUpdate="0"/>
     <cx:data id="0">
       <cx:numDim type="val">
-        <cx:f>Tabelle1!$A$2:$A$77</cx:f>
-        <cx:lvl ptCount="76" formatCode="Standard">
+        <cx:f>Tabelle1!$A$2:$A$19</cx:f>
+        <cx:lvl ptCount="18" formatCode="Standard">
           <cx:pt idx="0">11</cx:pt>
           <cx:pt idx="1">13</cx:pt>
           <cx:pt idx="2">14</cx:pt>
@@ -209,32 +223,35 @@
   <cx:chart>
     <cx:title pos="t" align="ctr" overlay="0">
       <cx:tx>
-        <cx:rich>
-          <a:bodyPr spcFirstLastPara="1" vertOverflow="ellipsis" horzOverflow="overflow" wrap="square" lIns="0" tIns="0" rIns="0" bIns="0" anchor="ctr" anchorCtr="1"/>
-          <a:lstStyle/>
-          <a:p>
-            <a:pPr algn="ctr" rtl="0">
-              <a:defRPr/>
-            </a:pPr>
-            <a:r>
-              <a:rPr lang="de-DE" sz="1862" b="0" i="0" u="none" strike="noStrike" baseline="0">
-                <a:solidFill>
-                  <a:prstClr val="black">
-                    <a:lumMod val="65000"/>
-                    <a:lumOff val="35000"/>
-                  </a:prstClr>
-                </a:solidFill>
-                <a:latin typeface="Calibri"/>
-              </a:rPr>
-              <a:t>Latency Measurement Results</a:t>
-            </a:r>
-          </a:p>
-        </cx:rich>
+        <cx:txData>
+          <cx:v>Latency Measurement Results</cx:v>
+        </cx:txData>
       </cx:tx>
+      <cx:txPr>
+        <a:bodyPr spcFirstLastPara="1" vertOverflow="ellipsis" horzOverflow="overflow" wrap="square" lIns="0" tIns="0" rIns="0" bIns="0" anchor="ctr" anchorCtr="1"/>
+        <a:lstStyle/>
+        <a:p>
+          <a:pPr algn="ctr" rtl="0">
+            <a:defRPr/>
+          </a:pPr>
+          <a:r>
+            <a:rPr lang="de-DE" sz="1862" b="0" i="0" u="none" strike="noStrike" baseline="0">
+              <a:solidFill>
+                <a:prstClr val="black">
+                  <a:lumMod val="65000"/>
+                  <a:lumOff val="35000"/>
+                </a:prstClr>
+              </a:solidFill>
+              <a:latin typeface="Calibri"/>
+            </a:rPr>
+            <a:t>Latency Measurement Results</a:t>
+          </a:r>
+        </a:p>
+      </cx:txPr>
     </cx:title>
     <cx:plotArea>
       <cx:plotAreaRegion>
-        <cx:series layoutId="clusteredColumn" uniqueId="{DF9CC5CA-1566-4F7D-9C67-C751AF3D59A2}">
+        <cx:series layoutId="clusteredColumn" uniqueId="{00000005-6A6F-4F67-8AAB-E80693348689}">
           <cx:tx>
             <cx:txData>
               <cx:f>Tabelle1!$A$1</cx:f>
@@ -248,7 +265,7 @@
         </cx:series>
       </cx:plotAreaRegion>
       <cx:axis id="0">
-        <cx:catScaling gapWidth="0"/>
+        <cx:catScaling gapWidth="0.0500000007"/>
         <cx:tickLabels/>
       </cx:axis>
       <cx:axis id="1">
@@ -1471,7 +1488,7 @@
             <a:fld id="{C7C1E745-E753-4EB9-8485-6560CD204B37}" type="slidenum">
               <a:rPr lang="de-DE" smtClean="0"/>
               <a:pPr/>
-              <a:t>4</a:t>
+              <a:t>11</a:t>
             </a:fld>
             <a:endParaRPr lang="de-DE"/>
           </a:p>
@@ -3346,120 +3363,7 @@
 </p:sld>
 </file>
 
-<file path=ppt/slides/slide2.xml><?xml version="1.0" encoding="utf-8"?>
-<p:sld xmlns:a="http://schemas.openxmlformats.org/drawingml/2006/main" xmlns:r="http://schemas.openxmlformats.org/officeDocument/2006/relationships" xmlns:p="http://schemas.openxmlformats.org/presentationml/2006/main">
-  <p:cSld>
-    <p:spTree>
-      <p:nvGrpSpPr>
-        <p:cNvPr id="1" name=""/>
-        <p:cNvGrpSpPr/>
-        <p:nvPr/>
-      </p:nvGrpSpPr>
-      <p:grpSpPr>
-        <a:xfrm>
-          <a:off x="0" y="0"/>
-          <a:ext cx="0" cy="0"/>
-          <a:chOff x="0" y="0"/>
-          <a:chExt cx="0" cy="0"/>
-        </a:xfrm>
-      </p:grpSpPr>
-      <p:sp>
-        <p:nvSpPr>
-          <p:cNvPr id="2" name="Titel 1">
-            <a:extLst>
-              <a:ext uri="{FF2B5EF4-FFF2-40B4-BE49-F238E27FC236}">
-                <a16:creationId xmlns:a16="http://schemas.microsoft.com/office/drawing/2014/main" id="{5FE68724-AEE1-410A-A646-EBF5BFF66344}"/>
-              </a:ext>
-            </a:extLst>
-          </p:cNvPr>
-          <p:cNvSpPr>
-            <a:spLocks noGrp="1"/>
-          </p:cNvSpPr>
-          <p:nvPr>
-            <p:ph type="title"/>
-          </p:nvPr>
-        </p:nvSpPr>
-        <p:spPr/>
-        <p:txBody>
-          <a:bodyPr/>
-          <a:lstStyle/>
-          <a:p>
-            <a:r>
-              <a:rPr lang="de-DE"/>
-              <a:t>Latency Test Framework</a:t>
-            </a:r>
-            <a:endParaRPr lang="en-US"/>
-          </a:p>
-        </p:txBody>
-      </p:sp>
-      <p:sp>
-        <p:nvSpPr>
-          <p:cNvPr id="3" name="Inhaltsplatzhalter 2">
-            <a:extLst>
-              <a:ext uri="{FF2B5EF4-FFF2-40B4-BE49-F238E27FC236}">
-                <a16:creationId xmlns:a16="http://schemas.microsoft.com/office/drawing/2014/main" id="{8CE82B4C-CA1B-4A04-974B-CFE33970AE50}"/>
-              </a:ext>
-            </a:extLst>
-          </p:cNvPr>
-          <p:cNvSpPr>
-            <a:spLocks noGrp="1"/>
-          </p:cNvSpPr>
-          <p:nvPr>
-            <p:ph sz="half" idx="1"/>
-          </p:nvPr>
-        </p:nvSpPr>
-        <p:spPr/>
-        <p:txBody>
-          <a:bodyPr/>
-          <a:lstStyle/>
-          <a:p>
-            <a:endParaRPr lang="en-US"/>
-          </a:p>
-        </p:txBody>
-      </p:sp>
-      <p:sp>
-        <p:nvSpPr>
-          <p:cNvPr id="4" name="Foliennummernplatzhalter 3">
-            <a:extLst>
-              <a:ext uri="{FF2B5EF4-FFF2-40B4-BE49-F238E27FC236}">
-                <a16:creationId xmlns:a16="http://schemas.microsoft.com/office/drawing/2014/main" id="{5DFDBFB6-BAC4-41BB-87E0-7CD02CAD6D17}"/>
-              </a:ext>
-            </a:extLst>
-          </p:cNvPr>
-          <p:cNvSpPr>
-            <a:spLocks noGrp="1"/>
-          </p:cNvSpPr>
-          <p:nvPr>
-            <p:ph type="sldNum" sz="quarter" idx="10"/>
-          </p:nvPr>
-        </p:nvSpPr>
-        <p:spPr/>
-        <p:txBody>
-          <a:bodyPr/>
-          <a:lstStyle/>
-          <a:p>
-            <a:fld id="{9BBAE405-9238-4745-AB75-58013C9D9462}" type="slidenum">
-              <a:rPr lang="de-DE" smtClean="0"/>
-              <a:t>2</a:t>
-            </a:fld>
-            <a:endParaRPr lang="de-DE" dirty="0"/>
-          </a:p>
-        </p:txBody>
-      </p:sp>
-    </p:spTree>
-    <p:extLst>
-      <p:ext uri="{BB962C8B-B14F-4D97-AF65-F5344CB8AC3E}">
-        <p14:creationId xmlns:p14="http://schemas.microsoft.com/office/powerpoint/2010/main" val="2248211748"/>
-      </p:ext>
-    </p:extLst>
-  </p:cSld>
-  <p:clrMapOvr>
-    <a:masterClrMapping/>
-  </p:clrMapOvr>
-</p:sld>
-</file>
-
-<file path=ppt/slides/slide3.xml><?xml version="1.0" encoding="utf-8"?>
+<file path=ppt/slides/slide10.xml><?xml version="1.0" encoding="utf-8"?>
 <p:sld xmlns:a="http://schemas.openxmlformats.org/drawingml/2006/main" xmlns:r="http://schemas.openxmlformats.org/officeDocument/2006/relationships" xmlns:p="http://schemas.openxmlformats.org/presentationml/2006/main">
   <p:cSld>
     <p:spTree>
@@ -3523,7 +3427,7 @@
                 <p:ph sz="half" idx="1"/>
                 <p:extLst>
                   <p:ext uri="{D42A27DB-BD31-4B8C-83A1-F6EECF244321}">
-                    <p14:modId xmlns:p14="http://schemas.microsoft.com/office/powerpoint/2010/main" val="3968631957"/>
+                    <p14:modId xmlns:p14="http://schemas.microsoft.com/office/powerpoint/2010/main" val="3752747343"/>
                   </p:ext>
                 </p:extLst>
               </p:nvPr>
@@ -3595,7 +3499,7 @@
           <a:p>
             <a:fld id="{9BBAE405-9238-4745-AB75-58013C9D9462}" type="slidenum">
               <a:rPr lang="de-DE" smtClean="0"/>
-              <a:t>3</a:t>
+              <a:t>10</a:t>
             </a:fld>
             <a:endParaRPr lang="de-DE" dirty="0"/>
           </a:p>
@@ -3614,7 +3518,7 @@
 </p:sld>
 </file>
 
-<file path=ppt/slides/slide4.xml><?xml version="1.0" encoding="utf-8"?>
+<file path=ppt/slides/slide11.xml><?xml version="1.0" encoding="utf-8"?>
 <p:sld xmlns:a="http://schemas.openxmlformats.org/drawingml/2006/main" xmlns:r="http://schemas.openxmlformats.org/officeDocument/2006/relationships" xmlns:p="http://schemas.openxmlformats.org/presentationml/2006/main">
   <p:cSld>
     <p:spTree>
@@ -3683,7 +3587,7 @@
           <a:p>
             <a:fld id="{9BBAE405-9238-4745-AB75-58013C9D9462}" type="slidenum">
               <a:rPr lang="de-DE" smtClean="0"/>
-              <a:t>4</a:t>
+              <a:t>11</a:t>
             </a:fld>
             <a:endParaRPr lang="de-DE" dirty="0"/>
           </a:p>
@@ -3762,7 +3666,7 @@
 </p:sld>
 </file>
 
-<file path=ppt/slides/slide5.xml><?xml version="1.0" encoding="utf-8"?>
+<file path=ppt/slides/slide12.xml><?xml version="1.0" encoding="utf-8"?>
 <p:sld xmlns:a="http://schemas.openxmlformats.org/drawingml/2006/main" xmlns:r="http://schemas.openxmlformats.org/officeDocument/2006/relationships" xmlns:p="http://schemas.openxmlformats.org/presentationml/2006/main">
   <p:cSld>
     <p:spTree>
@@ -3849,7 +3753,7 @@
           <a:p>
             <a:fld id="{9BBAE405-9238-4745-AB75-58013C9D9462}" type="slidenum">
               <a:rPr lang="de-DE" smtClean="0"/>
-              <a:t>5</a:t>
+              <a:t>12</a:t>
             </a:fld>
             <a:endParaRPr lang="de-DE" dirty="0"/>
           </a:p>
@@ -3898,6 +3802,990 @@
     <p:extLst>
       <p:ext uri="{BB962C8B-B14F-4D97-AF65-F5344CB8AC3E}">
         <p14:creationId xmlns:p14="http://schemas.microsoft.com/office/powerpoint/2010/main" val="2109670464"/>
+      </p:ext>
+    </p:extLst>
+  </p:cSld>
+  <p:clrMapOvr>
+    <a:masterClrMapping/>
+  </p:clrMapOvr>
+</p:sld>
+</file>
+
+<file path=ppt/slides/slide2.xml><?xml version="1.0" encoding="utf-8"?>
+<p:sld xmlns:a="http://schemas.openxmlformats.org/drawingml/2006/main" xmlns:r="http://schemas.openxmlformats.org/officeDocument/2006/relationships" xmlns:p="http://schemas.openxmlformats.org/presentationml/2006/main">
+  <p:cSld>
+    <p:spTree>
+      <p:nvGrpSpPr>
+        <p:cNvPr id="1" name=""/>
+        <p:cNvGrpSpPr/>
+        <p:nvPr/>
+      </p:nvGrpSpPr>
+      <p:grpSpPr>
+        <a:xfrm>
+          <a:off x="0" y="0"/>
+          <a:ext cx="0" cy="0"/>
+          <a:chOff x="0" y="0"/>
+          <a:chExt cx="0" cy="0"/>
+        </a:xfrm>
+      </p:grpSpPr>
+      <p:sp>
+        <p:nvSpPr>
+          <p:cNvPr id="2" name="Titel 1">
+            <a:extLst>
+              <a:ext uri="{FF2B5EF4-FFF2-40B4-BE49-F238E27FC236}">
+                <a16:creationId xmlns:a16="http://schemas.microsoft.com/office/drawing/2014/main" id="{5FE68724-AEE1-410A-A646-EBF5BFF66344}"/>
+              </a:ext>
+            </a:extLst>
+          </p:cNvPr>
+          <p:cNvSpPr>
+            <a:spLocks noGrp="1"/>
+          </p:cNvSpPr>
+          <p:nvPr>
+            <p:ph type="title"/>
+          </p:nvPr>
+        </p:nvSpPr>
+        <p:spPr/>
+        <p:txBody>
+          <a:bodyPr/>
+          <a:lstStyle/>
+          <a:p>
+            <a:r>
+              <a:rPr lang="de-DE"/>
+              <a:t>Latency Test Framework</a:t>
+            </a:r>
+            <a:endParaRPr lang="en-US"/>
+          </a:p>
+        </p:txBody>
+      </p:sp>
+      <p:sp>
+        <p:nvSpPr>
+          <p:cNvPr id="4" name="Foliennummernplatzhalter 3">
+            <a:extLst>
+              <a:ext uri="{FF2B5EF4-FFF2-40B4-BE49-F238E27FC236}">
+                <a16:creationId xmlns:a16="http://schemas.microsoft.com/office/drawing/2014/main" id="{5DFDBFB6-BAC4-41BB-87E0-7CD02CAD6D17}"/>
+              </a:ext>
+            </a:extLst>
+          </p:cNvPr>
+          <p:cNvSpPr>
+            <a:spLocks noGrp="1"/>
+          </p:cNvSpPr>
+          <p:nvPr>
+            <p:ph type="sldNum" sz="quarter" idx="10"/>
+          </p:nvPr>
+        </p:nvSpPr>
+        <p:spPr/>
+        <p:txBody>
+          <a:bodyPr/>
+          <a:lstStyle/>
+          <a:p>
+            <a:fld id="{9BBAE405-9238-4745-AB75-58013C9D9462}" type="slidenum">
+              <a:rPr lang="de-DE" smtClean="0"/>
+              <a:t>2</a:t>
+            </a:fld>
+            <a:endParaRPr lang="de-DE" dirty="0"/>
+          </a:p>
+        </p:txBody>
+      </p:sp>
+      <p:pic>
+        <p:nvPicPr>
+          <p:cNvPr id="6" name="Inhaltsplatzhalter 5" descr="Ein Bild, das Elektronik enthält.&#10;&#10;Automatisch generierte Beschreibung">
+            <a:extLst>
+              <a:ext uri="{FF2B5EF4-FFF2-40B4-BE49-F238E27FC236}">
+                <a16:creationId xmlns:a16="http://schemas.microsoft.com/office/drawing/2014/main" id="{AA9ABB58-C7B4-43C4-9FE1-A6F907462AA4}"/>
+              </a:ext>
+            </a:extLst>
+          </p:cNvPr>
+          <p:cNvPicPr>
+            <a:picLocks noGrp="1" noChangeAspect="1"/>
+          </p:cNvPicPr>
+          <p:nvPr>
+            <p:ph sz="half" idx="1"/>
+          </p:nvPr>
+        </p:nvPicPr>
+        <p:blipFill>
+          <a:blip r:embed="rId2" cstate="print">
+            <a:extLst>
+              <a:ext uri="{28A0092B-C50C-407E-A947-70E740481C1C}">
+                <a14:useLocalDpi xmlns:a14="http://schemas.microsoft.com/office/drawing/2010/main" val="0"/>
+              </a:ext>
+            </a:extLst>
+          </a:blip>
+          <a:stretch>
+            <a:fillRect/>
+          </a:stretch>
+        </p:blipFill>
+        <p:spPr>
+          <a:xfrm>
+            <a:off x="3446129" y="2339975"/>
+            <a:ext cx="2972467" cy="3960813"/>
+          </a:xfrm>
+        </p:spPr>
+      </p:pic>
+    </p:spTree>
+    <p:extLst>
+      <p:ext uri="{BB962C8B-B14F-4D97-AF65-F5344CB8AC3E}">
+        <p14:creationId xmlns:p14="http://schemas.microsoft.com/office/powerpoint/2010/main" val="3251310878"/>
+      </p:ext>
+    </p:extLst>
+  </p:cSld>
+  <p:clrMapOvr>
+    <a:masterClrMapping/>
+  </p:clrMapOvr>
+</p:sld>
+</file>
+
+<file path=ppt/slides/slide3.xml><?xml version="1.0" encoding="utf-8"?>
+<p:sld xmlns:a="http://schemas.openxmlformats.org/drawingml/2006/main" xmlns:r="http://schemas.openxmlformats.org/officeDocument/2006/relationships" xmlns:p="http://schemas.openxmlformats.org/presentationml/2006/main">
+  <p:cSld>
+    <p:spTree>
+      <p:nvGrpSpPr>
+        <p:cNvPr id="1" name=""/>
+        <p:cNvGrpSpPr/>
+        <p:nvPr/>
+      </p:nvGrpSpPr>
+      <p:grpSpPr>
+        <a:xfrm>
+          <a:off x="0" y="0"/>
+          <a:ext cx="0" cy="0"/>
+          <a:chOff x="0" y="0"/>
+          <a:chExt cx="0" cy="0"/>
+        </a:xfrm>
+      </p:grpSpPr>
+      <p:sp>
+        <p:nvSpPr>
+          <p:cNvPr id="2" name="Titel 1">
+            <a:extLst>
+              <a:ext uri="{FF2B5EF4-FFF2-40B4-BE49-F238E27FC236}">
+                <a16:creationId xmlns:a16="http://schemas.microsoft.com/office/drawing/2014/main" id="{5FE68724-AEE1-410A-A646-EBF5BFF66344}"/>
+              </a:ext>
+            </a:extLst>
+          </p:cNvPr>
+          <p:cNvSpPr>
+            <a:spLocks noGrp="1"/>
+          </p:cNvSpPr>
+          <p:nvPr>
+            <p:ph type="title"/>
+          </p:nvPr>
+        </p:nvSpPr>
+        <p:spPr/>
+        <p:txBody>
+          <a:bodyPr/>
+          <a:lstStyle/>
+          <a:p>
+            <a:r>
+              <a:rPr lang="de-DE"/>
+              <a:t>Latency Test Framework</a:t>
+            </a:r>
+            <a:endParaRPr lang="en-US"/>
+          </a:p>
+        </p:txBody>
+      </p:sp>
+      <p:sp>
+        <p:nvSpPr>
+          <p:cNvPr id="4" name="Foliennummernplatzhalter 3">
+            <a:extLst>
+              <a:ext uri="{FF2B5EF4-FFF2-40B4-BE49-F238E27FC236}">
+                <a16:creationId xmlns:a16="http://schemas.microsoft.com/office/drawing/2014/main" id="{5DFDBFB6-BAC4-41BB-87E0-7CD02CAD6D17}"/>
+              </a:ext>
+            </a:extLst>
+          </p:cNvPr>
+          <p:cNvSpPr>
+            <a:spLocks noGrp="1"/>
+          </p:cNvSpPr>
+          <p:nvPr>
+            <p:ph type="sldNum" sz="quarter" idx="10"/>
+          </p:nvPr>
+        </p:nvSpPr>
+        <p:spPr/>
+        <p:txBody>
+          <a:bodyPr/>
+          <a:lstStyle/>
+          <a:p>
+            <a:fld id="{9BBAE405-9238-4745-AB75-58013C9D9462}" type="slidenum">
+              <a:rPr lang="de-DE" smtClean="0"/>
+              <a:t>3</a:t>
+            </a:fld>
+            <a:endParaRPr lang="de-DE" dirty="0"/>
+          </a:p>
+        </p:txBody>
+      </p:sp>
+      <p:pic>
+        <p:nvPicPr>
+          <p:cNvPr id="6" name="Inhaltsplatzhalter 5" descr="Ein Bild, das drinnen, Computer, Elektronik, Laptop enthält.&#10;&#10;Automatisch generierte Beschreibung">
+            <a:extLst>
+              <a:ext uri="{FF2B5EF4-FFF2-40B4-BE49-F238E27FC236}">
+                <a16:creationId xmlns:a16="http://schemas.microsoft.com/office/drawing/2014/main" id="{02E6506A-8BB9-4932-B398-4C9B02F0C119}"/>
+              </a:ext>
+            </a:extLst>
+          </p:cNvPr>
+          <p:cNvPicPr>
+            <a:picLocks noGrp="1" noChangeAspect="1"/>
+          </p:cNvPicPr>
+          <p:nvPr>
+            <p:ph sz="half" idx="1"/>
+          </p:nvPr>
+        </p:nvPicPr>
+        <p:blipFill>
+          <a:blip r:embed="rId2" cstate="print">
+            <a:extLst>
+              <a:ext uri="{28A0092B-C50C-407E-A947-70E740481C1C}">
+                <a14:useLocalDpi xmlns:a14="http://schemas.microsoft.com/office/drawing/2010/main" val="0"/>
+              </a:ext>
+            </a:extLst>
+          </a:blip>
+          <a:stretch>
+            <a:fillRect/>
+          </a:stretch>
+        </p:blipFill>
+        <p:spPr>
+          <a:xfrm>
+            <a:off x="3446129" y="2339975"/>
+            <a:ext cx="2972467" cy="3960813"/>
+          </a:xfrm>
+        </p:spPr>
+      </p:pic>
+    </p:spTree>
+    <p:extLst>
+      <p:ext uri="{BB962C8B-B14F-4D97-AF65-F5344CB8AC3E}">
+        <p14:creationId xmlns:p14="http://schemas.microsoft.com/office/powerpoint/2010/main" val="3887799259"/>
+      </p:ext>
+    </p:extLst>
+  </p:cSld>
+  <p:clrMapOvr>
+    <a:masterClrMapping/>
+  </p:clrMapOvr>
+</p:sld>
+</file>
+
+<file path=ppt/slides/slide4.xml><?xml version="1.0" encoding="utf-8"?>
+<p:sld xmlns:a="http://schemas.openxmlformats.org/drawingml/2006/main" xmlns:r="http://schemas.openxmlformats.org/officeDocument/2006/relationships" xmlns:p="http://schemas.openxmlformats.org/presentationml/2006/main">
+  <p:cSld>
+    <p:spTree>
+      <p:nvGrpSpPr>
+        <p:cNvPr id="1" name=""/>
+        <p:cNvGrpSpPr/>
+        <p:nvPr/>
+      </p:nvGrpSpPr>
+      <p:grpSpPr>
+        <a:xfrm>
+          <a:off x="0" y="0"/>
+          <a:ext cx="0" cy="0"/>
+          <a:chOff x="0" y="0"/>
+          <a:chExt cx="0" cy="0"/>
+        </a:xfrm>
+      </p:grpSpPr>
+      <p:sp>
+        <p:nvSpPr>
+          <p:cNvPr id="2" name="Titel 1">
+            <a:extLst>
+              <a:ext uri="{FF2B5EF4-FFF2-40B4-BE49-F238E27FC236}">
+                <a16:creationId xmlns:a16="http://schemas.microsoft.com/office/drawing/2014/main" id="{5FE68724-AEE1-410A-A646-EBF5BFF66344}"/>
+              </a:ext>
+            </a:extLst>
+          </p:cNvPr>
+          <p:cNvSpPr>
+            <a:spLocks noGrp="1"/>
+          </p:cNvSpPr>
+          <p:nvPr>
+            <p:ph type="title"/>
+          </p:nvPr>
+        </p:nvSpPr>
+        <p:spPr/>
+        <p:txBody>
+          <a:bodyPr/>
+          <a:lstStyle/>
+          <a:p>
+            <a:r>
+              <a:rPr lang="de-DE"/>
+              <a:t>Latency Test Framework</a:t>
+            </a:r>
+            <a:endParaRPr lang="en-US"/>
+          </a:p>
+        </p:txBody>
+      </p:sp>
+      <p:sp>
+        <p:nvSpPr>
+          <p:cNvPr id="4" name="Foliennummernplatzhalter 3">
+            <a:extLst>
+              <a:ext uri="{FF2B5EF4-FFF2-40B4-BE49-F238E27FC236}">
+                <a16:creationId xmlns:a16="http://schemas.microsoft.com/office/drawing/2014/main" id="{5DFDBFB6-BAC4-41BB-87E0-7CD02CAD6D17}"/>
+              </a:ext>
+            </a:extLst>
+          </p:cNvPr>
+          <p:cNvSpPr>
+            <a:spLocks noGrp="1"/>
+          </p:cNvSpPr>
+          <p:nvPr>
+            <p:ph type="sldNum" sz="quarter" idx="10"/>
+          </p:nvPr>
+        </p:nvSpPr>
+        <p:spPr/>
+        <p:txBody>
+          <a:bodyPr/>
+          <a:lstStyle/>
+          <a:p>
+            <a:fld id="{9BBAE405-9238-4745-AB75-58013C9D9462}" type="slidenum">
+              <a:rPr lang="de-DE" smtClean="0"/>
+              <a:t>4</a:t>
+            </a:fld>
+            <a:endParaRPr lang="de-DE" dirty="0"/>
+          </a:p>
+        </p:txBody>
+      </p:sp>
+      <p:pic>
+        <p:nvPicPr>
+          <p:cNvPr id="6" name="Inhaltsplatzhalter 5" descr="Ein Bild, das Boden, sitzend, Kraftrad, drinnen enthält.&#10;&#10;Automatisch generierte Beschreibung">
+            <a:extLst>
+              <a:ext uri="{FF2B5EF4-FFF2-40B4-BE49-F238E27FC236}">
+                <a16:creationId xmlns:a16="http://schemas.microsoft.com/office/drawing/2014/main" id="{B8075730-2144-4176-B87F-FA2BA23A94FE}"/>
+              </a:ext>
+            </a:extLst>
+          </p:cNvPr>
+          <p:cNvPicPr>
+            <a:picLocks noGrp="1" noChangeAspect="1"/>
+          </p:cNvPicPr>
+          <p:nvPr>
+            <p:ph sz="half" idx="1"/>
+          </p:nvPr>
+        </p:nvPicPr>
+        <p:blipFill>
+          <a:blip r:embed="rId2" cstate="print">
+            <a:extLst>
+              <a:ext uri="{28A0092B-C50C-407E-A947-70E740481C1C}">
+                <a14:useLocalDpi xmlns:a14="http://schemas.microsoft.com/office/drawing/2010/main" val="0"/>
+              </a:ext>
+            </a:extLst>
+          </a:blip>
+          <a:stretch>
+            <a:fillRect/>
+          </a:stretch>
+        </p:blipFill>
+        <p:spPr>
+          <a:xfrm>
+            <a:off x="3446129" y="2339975"/>
+            <a:ext cx="2972467" cy="3960813"/>
+          </a:xfrm>
+        </p:spPr>
+      </p:pic>
+    </p:spTree>
+    <p:extLst>
+      <p:ext uri="{BB962C8B-B14F-4D97-AF65-F5344CB8AC3E}">
+        <p14:creationId xmlns:p14="http://schemas.microsoft.com/office/powerpoint/2010/main" val="3960979593"/>
+      </p:ext>
+    </p:extLst>
+  </p:cSld>
+  <p:clrMapOvr>
+    <a:masterClrMapping/>
+  </p:clrMapOvr>
+</p:sld>
+</file>
+
+<file path=ppt/slides/slide5.xml><?xml version="1.0" encoding="utf-8"?>
+<p:sld xmlns:a="http://schemas.openxmlformats.org/drawingml/2006/main" xmlns:r="http://schemas.openxmlformats.org/officeDocument/2006/relationships" xmlns:p="http://schemas.openxmlformats.org/presentationml/2006/main">
+  <p:cSld>
+    <p:spTree>
+      <p:nvGrpSpPr>
+        <p:cNvPr id="1" name=""/>
+        <p:cNvGrpSpPr/>
+        <p:nvPr/>
+      </p:nvGrpSpPr>
+      <p:grpSpPr>
+        <a:xfrm>
+          <a:off x="0" y="0"/>
+          <a:ext cx="0" cy="0"/>
+          <a:chOff x="0" y="0"/>
+          <a:chExt cx="0" cy="0"/>
+        </a:xfrm>
+      </p:grpSpPr>
+      <p:sp>
+        <p:nvSpPr>
+          <p:cNvPr id="2" name="Titel 1">
+            <a:extLst>
+              <a:ext uri="{FF2B5EF4-FFF2-40B4-BE49-F238E27FC236}">
+                <a16:creationId xmlns:a16="http://schemas.microsoft.com/office/drawing/2014/main" id="{5FE68724-AEE1-410A-A646-EBF5BFF66344}"/>
+              </a:ext>
+            </a:extLst>
+          </p:cNvPr>
+          <p:cNvSpPr>
+            <a:spLocks noGrp="1"/>
+          </p:cNvSpPr>
+          <p:nvPr>
+            <p:ph type="title"/>
+          </p:nvPr>
+        </p:nvSpPr>
+        <p:spPr/>
+        <p:txBody>
+          <a:bodyPr/>
+          <a:lstStyle/>
+          <a:p>
+            <a:r>
+              <a:rPr lang="de-DE"/>
+              <a:t>Latency Test Framework</a:t>
+            </a:r>
+            <a:endParaRPr lang="en-US"/>
+          </a:p>
+        </p:txBody>
+      </p:sp>
+      <p:sp>
+        <p:nvSpPr>
+          <p:cNvPr id="4" name="Foliennummernplatzhalter 3">
+            <a:extLst>
+              <a:ext uri="{FF2B5EF4-FFF2-40B4-BE49-F238E27FC236}">
+                <a16:creationId xmlns:a16="http://schemas.microsoft.com/office/drawing/2014/main" id="{5DFDBFB6-BAC4-41BB-87E0-7CD02CAD6D17}"/>
+              </a:ext>
+            </a:extLst>
+          </p:cNvPr>
+          <p:cNvSpPr>
+            <a:spLocks noGrp="1"/>
+          </p:cNvSpPr>
+          <p:nvPr>
+            <p:ph type="sldNum" sz="quarter" idx="10"/>
+          </p:nvPr>
+        </p:nvSpPr>
+        <p:spPr/>
+        <p:txBody>
+          <a:bodyPr/>
+          <a:lstStyle/>
+          <a:p>
+            <a:fld id="{9BBAE405-9238-4745-AB75-58013C9D9462}" type="slidenum">
+              <a:rPr lang="de-DE" smtClean="0"/>
+              <a:t>5</a:t>
+            </a:fld>
+            <a:endParaRPr lang="de-DE" dirty="0"/>
+          </a:p>
+        </p:txBody>
+      </p:sp>
+      <p:pic>
+        <p:nvPicPr>
+          <p:cNvPr id="6" name="Inhaltsplatzhalter 5" descr="Ein Bild, das drinnen, Tisch, Boden enthält.&#10;&#10;Automatisch generierte Beschreibung">
+            <a:extLst>
+              <a:ext uri="{FF2B5EF4-FFF2-40B4-BE49-F238E27FC236}">
+                <a16:creationId xmlns:a16="http://schemas.microsoft.com/office/drawing/2014/main" id="{0F679551-FAD4-4251-80F2-B4880AEE7A01}"/>
+              </a:ext>
+            </a:extLst>
+          </p:cNvPr>
+          <p:cNvPicPr>
+            <a:picLocks noGrp="1" noChangeAspect="1"/>
+          </p:cNvPicPr>
+          <p:nvPr>
+            <p:ph sz="half" idx="1"/>
+          </p:nvPr>
+        </p:nvPicPr>
+        <p:blipFill>
+          <a:blip r:embed="rId2" cstate="print">
+            <a:extLst>
+              <a:ext uri="{28A0092B-C50C-407E-A947-70E740481C1C}">
+                <a14:useLocalDpi xmlns:a14="http://schemas.microsoft.com/office/drawing/2010/main" val="0"/>
+              </a:ext>
+            </a:extLst>
+          </a:blip>
+          <a:stretch>
+            <a:fillRect/>
+          </a:stretch>
+        </p:blipFill>
+        <p:spPr>
+          <a:xfrm>
+            <a:off x="3446129" y="2339975"/>
+            <a:ext cx="2972467" cy="3960813"/>
+          </a:xfrm>
+        </p:spPr>
+      </p:pic>
+    </p:spTree>
+    <p:extLst>
+      <p:ext uri="{BB962C8B-B14F-4D97-AF65-F5344CB8AC3E}">
+        <p14:creationId xmlns:p14="http://schemas.microsoft.com/office/powerpoint/2010/main" val="2272270349"/>
+      </p:ext>
+    </p:extLst>
+  </p:cSld>
+  <p:clrMapOvr>
+    <a:masterClrMapping/>
+  </p:clrMapOvr>
+</p:sld>
+</file>
+
+<file path=ppt/slides/slide6.xml><?xml version="1.0" encoding="utf-8"?>
+<p:sld xmlns:a="http://schemas.openxmlformats.org/drawingml/2006/main" xmlns:r="http://schemas.openxmlformats.org/officeDocument/2006/relationships" xmlns:p="http://schemas.openxmlformats.org/presentationml/2006/main">
+  <p:cSld>
+    <p:spTree>
+      <p:nvGrpSpPr>
+        <p:cNvPr id="1" name=""/>
+        <p:cNvGrpSpPr/>
+        <p:nvPr/>
+      </p:nvGrpSpPr>
+      <p:grpSpPr>
+        <a:xfrm>
+          <a:off x="0" y="0"/>
+          <a:ext cx="0" cy="0"/>
+          <a:chOff x="0" y="0"/>
+          <a:chExt cx="0" cy="0"/>
+        </a:xfrm>
+      </p:grpSpPr>
+      <p:sp>
+        <p:nvSpPr>
+          <p:cNvPr id="2" name="Titel 1">
+            <a:extLst>
+              <a:ext uri="{FF2B5EF4-FFF2-40B4-BE49-F238E27FC236}">
+                <a16:creationId xmlns:a16="http://schemas.microsoft.com/office/drawing/2014/main" id="{5FE68724-AEE1-410A-A646-EBF5BFF66344}"/>
+              </a:ext>
+            </a:extLst>
+          </p:cNvPr>
+          <p:cNvSpPr>
+            <a:spLocks noGrp="1"/>
+          </p:cNvSpPr>
+          <p:nvPr>
+            <p:ph type="title"/>
+          </p:nvPr>
+        </p:nvSpPr>
+        <p:spPr/>
+        <p:txBody>
+          <a:bodyPr/>
+          <a:lstStyle/>
+          <a:p>
+            <a:r>
+              <a:rPr lang="de-DE"/>
+              <a:t>Latency Test Framework</a:t>
+            </a:r>
+            <a:endParaRPr lang="en-US"/>
+          </a:p>
+        </p:txBody>
+      </p:sp>
+      <p:sp>
+        <p:nvSpPr>
+          <p:cNvPr id="4" name="Foliennummernplatzhalter 3">
+            <a:extLst>
+              <a:ext uri="{FF2B5EF4-FFF2-40B4-BE49-F238E27FC236}">
+                <a16:creationId xmlns:a16="http://schemas.microsoft.com/office/drawing/2014/main" id="{5DFDBFB6-BAC4-41BB-87E0-7CD02CAD6D17}"/>
+              </a:ext>
+            </a:extLst>
+          </p:cNvPr>
+          <p:cNvSpPr>
+            <a:spLocks noGrp="1"/>
+          </p:cNvSpPr>
+          <p:nvPr>
+            <p:ph type="sldNum" sz="quarter" idx="10"/>
+          </p:nvPr>
+        </p:nvSpPr>
+        <p:spPr/>
+        <p:txBody>
+          <a:bodyPr/>
+          <a:lstStyle/>
+          <a:p>
+            <a:fld id="{9BBAE405-9238-4745-AB75-58013C9D9462}" type="slidenum">
+              <a:rPr lang="de-DE" smtClean="0"/>
+              <a:t>6</a:t>
+            </a:fld>
+            <a:endParaRPr lang="de-DE" dirty="0"/>
+          </a:p>
+        </p:txBody>
+      </p:sp>
+      <p:pic>
+        <p:nvPicPr>
+          <p:cNvPr id="6" name="Inhaltsplatzhalter 5" descr="Ein Bild, das Boden enthält.&#10;&#10;Automatisch generierte Beschreibung">
+            <a:extLst>
+              <a:ext uri="{FF2B5EF4-FFF2-40B4-BE49-F238E27FC236}">
+                <a16:creationId xmlns:a16="http://schemas.microsoft.com/office/drawing/2014/main" id="{CA0F9107-0F10-44BC-A765-DBBC3FC1F5AD}"/>
+              </a:ext>
+            </a:extLst>
+          </p:cNvPr>
+          <p:cNvPicPr>
+            <a:picLocks noGrp="1" noChangeAspect="1"/>
+          </p:cNvPicPr>
+          <p:nvPr>
+            <p:ph sz="half" idx="1"/>
+          </p:nvPr>
+        </p:nvPicPr>
+        <p:blipFill>
+          <a:blip r:embed="rId2" cstate="print">
+            <a:extLst>
+              <a:ext uri="{28A0092B-C50C-407E-A947-70E740481C1C}">
+                <a14:useLocalDpi xmlns:a14="http://schemas.microsoft.com/office/drawing/2010/main" val="0"/>
+              </a:ext>
+            </a:extLst>
+          </a:blip>
+          <a:stretch>
+            <a:fillRect/>
+          </a:stretch>
+        </p:blipFill>
+        <p:spPr>
+          <a:xfrm>
+            <a:off x="3446129" y="2339975"/>
+            <a:ext cx="2972467" cy="3960813"/>
+          </a:xfrm>
+        </p:spPr>
+      </p:pic>
+    </p:spTree>
+    <p:extLst>
+      <p:ext uri="{BB962C8B-B14F-4D97-AF65-F5344CB8AC3E}">
+        <p14:creationId xmlns:p14="http://schemas.microsoft.com/office/powerpoint/2010/main" val="3075917840"/>
+      </p:ext>
+    </p:extLst>
+  </p:cSld>
+  <p:clrMapOvr>
+    <a:masterClrMapping/>
+  </p:clrMapOvr>
+</p:sld>
+</file>
+
+<file path=ppt/slides/slide7.xml><?xml version="1.0" encoding="utf-8"?>
+<p:sld xmlns:a="http://schemas.openxmlformats.org/drawingml/2006/main" xmlns:r="http://schemas.openxmlformats.org/officeDocument/2006/relationships" xmlns:p="http://schemas.openxmlformats.org/presentationml/2006/main">
+  <p:cSld>
+    <p:spTree>
+      <p:nvGrpSpPr>
+        <p:cNvPr id="1" name=""/>
+        <p:cNvGrpSpPr/>
+        <p:nvPr/>
+      </p:nvGrpSpPr>
+      <p:grpSpPr>
+        <a:xfrm>
+          <a:off x="0" y="0"/>
+          <a:ext cx="0" cy="0"/>
+          <a:chOff x="0" y="0"/>
+          <a:chExt cx="0" cy="0"/>
+        </a:xfrm>
+      </p:grpSpPr>
+      <p:sp>
+        <p:nvSpPr>
+          <p:cNvPr id="2" name="Titel 1">
+            <a:extLst>
+              <a:ext uri="{FF2B5EF4-FFF2-40B4-BE49-F238E27FC236}">
+                <a16:creationId xmlns:a16="http://schemas.microsoft.com/office/drawing/2014/main" id="{5FE68724-AEE1-410A-A646-EBF5BFF66344}"/>
+              </a:ext>
+            </a:extLst>
+          </p:cNvPr>
+          <p:cNvSpPr>
+            <a:spLocks noGrp="1"/>
+          </p:cNvSpPr>
+          <p:nvPr>
+            <p:ph type="title"/>
+          </p:nvPr>
+        </p:nvSpPr>
+        <p:spPr/>
+        <p:txBody>
+          <a:bodyPr/>
+          <a:lstStyle/>
+          <a:p>
+            <a:r>
+              <a:rPr lang="de-DE"/>
+              <a:t>Latency Test Framework</a:t>
+            </a:r>
+            <a:endParaRPr lang="en-US"/>
+          </a:p>
+        </p:txBody>
+      </p:sp>
+      <p:sp>
+        <p:nvSpPr>
+          <p:cNvPr id="4" name="Foliennummernplatzhalter 3">
+            <a:extLst>
+              <a:ext uri="{FF2B5EF4-FFF2-40B4-BE49-F238E27FC236}">
+                <a16:creationId xmlns:a16="http://schemas.microsoft.com/office/drawing/2014/main" id="{5DFDBFB6-BAC4-41BB-87E0-7CD02CAD6D17}"/>
+              </a:ext>
+            </a:extLst>
+          </p:cNvPr>
+          <p:cNvSpPr>
+            <a:spLocks noGrp="1"/>
+          </p:cNvSpPr>
+          <p:nvPr>
+            <p:ph type="sldNum" sz="quarter" idx="10"/>
+          </p:nvPr>
+        </p:nvSpPr>
+        <p:spPr/>
+        <p:txBody>
+          <a:bodyPr/>
+          <a:lstStyle/>
+          <a:p>
+            <a:fld id="{9BBAE405-9238-4745-AB75-58013C9D9462}" type="slidenum">
+              <a:rPr lang="de-DE" smtClean="0"/>
+              <a:t>7</a:t>
+            </a:fld>
+            <a:endParaRPr lang="de-DE" dirty="0"/>
+          </a:p>
+        </p:txBody>
+      </p:sp>
+      <p:pic>
+        <p:nvPicPr>
+          <p:cNvPr id="6" name="Inhaltsplatzhalter 5" descr="Ein Bild, das Boden, legend enthält.&#10;&#10;Automatisch generierte Beschreibung">
+            <a:extLst>
+              <a:ext uri="{FF2B5EF4-FFF2-40B4-BE49-F238E27FC236}">
+                <a16:creationId xmlns:a16="http://schemas.microsoft.com/office/drawing/2014/main" id="{24A021A2-D1AD-45F0-A1FF-977219573AED}"/>
+              </a:ext>
+            </a:extLst>
+          </p:cNvPr>
+          <p:cNvPicPr>
+            <a:picLocks noGrp="1" noChangeAspect="1"/>
+          </p:cNvPicPr>
+          <p:nvPr>
+            <p:ph sz="half" idx="1"/>
+          </p:nvPr>
+        </p:nvPicPr>
+        <p:blipFill>
+          <a:blip r:embed="rId2" cstate="print">
+            <a:extLst>
+              <a:ext uri="{28A0092B-C50C-407E-A947-70E740481C1C}">
+                <a14:useLocalDpi xmlns:a14="http://schemas.microsoft.com/office/drawing/2010/main" val="0"/>
+              </a:ext>
+            </a:extLst>
+          </a:blip>
+          <a:stretch>
+            <a:fillRect/>
+          </a:stretch>
+        </p:blipFill>
+        <p:spPr>
+          <a:xfrm>
+            <a:off x="2293471" y="2339975"/>
+            <a:ext cx="5277783" cy="3960813"/>
+          </a:xfrm>
+        </p:spPr>
+      </p:pic>
+    </p:spTree>
+    <p:extLst>
+      <p:ext uri="{BB962C8B-B14F-4D97-AF65-F5344CB8AC3E}">
+        <p14:creationId xmlns:p14="http://schemas.microsoft.com/office/powerpoint/2010/main" val="3139764421"/>
+      </p:ext>
+    </p:extLst>
+  </p:cSld>
+  <p:clrMapOvr>
+    <a:masterClrMapping/>
+  </p:clrMapOvr>
+</p:sld>
+</file>
+
+<file path=ppt/slides/slide8.xml><?xml version="1.0" encoding="utf-8"?>
+<p:sld xmlns:a="http://schemas.openxmlformats.org/drawingml/2006/main" xmlns:r="http://schemas.openxmlformats.org/officeDocument/2006/relationships" xmlns:p="http://schemas.openxmlformats.org/presentationml/2006/main">
+  <p:cSld>
+    <p:spTree>
+      <p:nvGrpSpPr>
+        <p:cNvPr id="1" name=""/>
+        <p:cNvGrpSpPr/>
+        <p:nvPr/>
+      </p:nvGrpSpPr>
+      <p:grpSpPr>
+        <a:xfrm>
+          <a:off x="0" y="0"/>
+          <a:ext cx="0" cy="0"/>
+          <a:chOff x="0" y="0"/>
+          <a:chExt cx="0" cy="0"/>
+        </a:xfrm>
+      </p:grpSpPr>
+      <p:sp>
+        <p:nvSpPr>
+          <p:cNvPr id="2" name="Titel 1">
+            <a:extLst>
+              <a:ext uri="{FF2B5EF4-FFF2-40B4-BE49-F238E27FC236}">
+                <a16:creationId xmlns:a16="http://schemas.microsoft.com/office/drawing/2014/main" id="{5FE68724-AEE1-410A-A646-EBF5BFF66344}"/>
+              </a:ext>
+            </a:extLst>
+          </p:cNvPr>
+          <p:cNvSpPr>
+            <a:spLocks noGrp="1"/>
+          </p:cNvSpPr>
+          <p:nvPr>
+            <p:ph type="title"/>
+          </p:nvPr>
+        </p:nvSpPr>
+        <p:spPr/>
+        <p:txBody>
+          <a:bodyPr/>
+          <a:lstStyle/>
+          <a:p>
+            <a:r>
+              <a:rPr lang="de-DE"/>
+              <a:t>Latency Test Framework</a:t>
+            </a:r>
+            <a:endParaRPr lang="en-US"/>
+          </a:p>
+        </p:txBody>
+      </p:sp>
+      <p:sp>
+        <p:nvSpPr>
+          <p:cNvPr id="4" name="Foliennummernplatzhalter 3">
+            <a:extLst>
+              <a:ext uri="{FF2B5EF4-FFF2-40B4-BE49-F238E27FC236}">
+                <a16:creationId xmlns:a16="http://schemas.microsoft.com/office/drawing/2014/main" id="{5DFDBFB6-BAC4-41BB-87E0-7CD02CAD6D17}"/>
+              </a:ext>
+            </a:extLst>
+          </p:cNvPr>
+          <p:cNvSpPr>
+            <a:spLocks noGrp="1"/>
+          </p:cNvSpPr>
+          <p:nvPr>
+            <p:ph type="sldNum" sz="quarter" idx="10"/>
+          </p:nvPr>
+        </p:nvSpPr>
+        <p:spPr/>
+        <p:txBody>
+          <a:bodyPr/>
+          <a:lstStyle/>
+          <a:p>
+            <a:fld id="{9BBAE405-9238-4745-AB75-58013C9D9462}" type="slidenum">
+              <a:rPr lang="de-DE" smtClean="0"/>
+              <a:t>8</a:t>
+            </a:fld>
+            <a:endParaRPr lang="de-DE" dirty="0"/>
+          </a:p>
+        </p:txBody>
+      </p:sp>
+      <p:pic>
+        <p:nvPicPr>
+          <p:cNvPr id="8" name="Inhaltsplatzhalter 7" descr="Ein Bild, das Computer, Tastatur, drinnen, Tisch enthält.&#10;&#10;Automatisch generierte Beschreibung">
+            <a:extLst>
+              <a:ext uri="{FF2B5EF4-FFF2-40B4-BE49-F238E27FC236}">
+                <a16:creationId xmlns:a16="http://schemas.microsoft.com/office/drawing/2014/main" id="{2B52E787-676A-4F05-A4AF-EDF78F7B1F49}"/>
+              </a:ext>
+            </a:extLst>
+          </p:cNvPr>
+          <p:cNvPicPr>
+            <a:picLocks noGrp="1" noChangeAspect="1"/>
+          </p:cNvPicPr>
+          <p:nvPr>
+            <p:ph sz="half" idx="1"/>
+          </p:nvPr>
+        </p:nvPicPr>
+        <p:blipFill>
+          <a:blip r:embed="rId2" cstate="print">
+            <a:extLst>
+              <a:ext uri="{28A0092B-C50C-407E-A947-70E740481C1C}">
+                <a14:useLocalDpi xmlns:a14="http://schemas.microsoft.com/office/drawing/2010/main" val="0"/>
+              </a:ext>
+            </a:extLst>
+          </a:blip>
+          <a:stretch>
+            <a:fillRect/>
+          </a:stretch>
+        </p:blipFill>
+        <p:spPr>
+          <a:xfrm>
+            <a:off x="3446129" y="2339975"/>
+            <a:ext cx="2972467" cy="3960813"/>
+          </a:xfrm>
+        </p:spPr>
+      </p:pic>
+    </p:spTree>
+    <p:extLst>
+      <p:ext uri="{BB962C8B-B14F-4D97-AF65-F5344CB8AC3E}">
+        <p14:creationId xmlns:p14="http://schemas.microsoft.com/office/powerpoint/2010/main" val="3960380277"/>
+      </p:ext>
+    </p:extLst>
+  </p:cSld>
+  <p:clrMapOvr>
+    <a:masterClrMapping/>
+  </p:clrMapOvr>
+</p:sld>
+</file>
+
+<file path=ppt/slides/slide9.xml><?xml version="1.0" encoding="utf-8"?>
+<p:sld xmlns:a="http://schemas.openxmlformats.org/drawingml/2006/main" xmlns:r="http://schemas.openxmlformats.org/officeDocument/2006/relationships" xmlns:p="http://schemas.openxmlformats.org/presentationml/2006/main">
+  <p:cSld>
+    <p:spTree>
+      <p:nvGrpSpPr>
+        <p:cNvPr id="1" name=""/>
+        <p:cNvGrpSpPr/>
+        <p:nvPr/>
+      </p:nvGrpSpPr>
+      <p:grpSpPr>
+        <a:xfrm>
+          <a:off x="0" y="0"/>
+          <a:ext cx="0" cy="0"/>
+          <a:chOff x="0" y="0"/>
+          <a:chExt cx="0" cy="0"/>
+        </a:xfrm>
+      </p:grpSpPr>
+      <p:sp>
+        <p:nvSpPr>
+          <p:cNvPr id="2" name="Titel 1">
+            <a:extLst>
+              <a:ext uri="{FF2B5EF4-FFF2-40B4-BE49-F238E27FC236}">
+                <a16:creationId xmlns:a16="http://schemas.microsoft.com/office/drawing/2014/main" id="{5FE68724-AEE1-410A-A646-EBF5BFF66344}"/>
+              </a:ext>
+            </a:extLst>
+          </p:cNvPr>
+          <p:cNvSpPr>
+            <a:spLocks noGrp="1"/>
+          </p:cNvSpPr>
+          <p:nvPr>
+            <p:ph type="title"/>
+          </p:nvPr>
+        </p:nvSpPr>
+        <p:spPr/>
+        <p:txBody>
+          <a:bodyPr/>
+          <a:lstStyle/>
+          <a:p>
+            <a:r>
+              <a:rPr lang="de-DE"/>
+              <a:t>Latency Test Framework</a:t>
+            </a:r>
+            <a:endParaRPr lang="en-US"/>
+          </a:p>
+        </p:txBody>
+      </p:sp>
+      <p:sp>
+        <p:nvSpPr>
+          <p:cNvPr id="4" name="Foliennummernplatzhalter 3">
+            <a:extLst>
+              <a:ext uri="{FF2B5EF4-FFF2-40B4-BE49-F238E27FC236}">
+                <a16:creationId xmlns:a16="http://schemas.microsoft.com/office/drawing/2014/main" id="{5DFDBFB6-BAC4-41BB-87E0-7CD02CAD6D17}"/>
+              </a:ext>
+            </a:extLst>
+          </p:cNvPr>
+          <p:cNvSpPr>
+            <a:spLocks noGrp="1"/>
+          </p:cNvSpPr>
+          <p:nvPr>
+            <p:ph type="sldNum" sz="quarter" idx="10"/>
+          </p:nvPr>
+        </p:nvSpPr>
+        <p:spPr/>
+        <p:txBody>
+          <a:bodyPr/>
+          <a:lstStyle/>
+          <a:p>
+            <a:fld id="{9BBAE405-9238-4745-AB75-58013C9D9462}" type="slidenum">
+              <a:rPr lang="de-DE" smtClean="0"/>
+              <a:t>9</a:t>
+            </a:fld>
+            <a:endParaRPr lang="de-DE" dirty="0"/>
+          </a:p>
+        </p:txBody>
+      </p:sp>
+      <p:pic>
+        <p:nvPicPr>
+          <p:cNvPr id="6" name="Inhaltsplatzhalter 5" descr="Ein Bild, das Tastatur, Computer, drinnen, Elektronik enthält.&#10;&#10;Automatisch generierte Beschreibung">
+            <a:extLst>
+              <a:ext uri="{FF2B5EF4-FFF2-40B4-BE49-F238E27FC236}">
+                <a16:creationId xmlns:a16="http://schemas.microsoft.com/office/drawing/2014/main" id="{CB2AA74B-2A1E-4174-9B7A-2D93FE2B03CA}"/>
+              </a:ext>
+            </a:extLst>
+          </p:cNvPr>
+          <p:cNvPicPr>
+            <a:picLocks noGrp="1" noChangeAspect="1"/>
+          </p:cNvPicPr>
+          <p:nvPr>
+            <p:ph sz="half" idx="1"/>
+          </p:nvPr>
+        </p:nvPicPr>
+        <p:blipFill>
+          <a:blip r:embed="rId2" cstate="print">
+            <a:extLst>
+              <a:ext uri="{28A0092B-C50C-407E-A947-70E740481C1C}">
+                <a14:useLocalDpi xmlns:a14="http://schemas.microsoft.com/office/drawing/2010/main" val="0"/>
+              </a:ext>
+            </a:extLst>
+          </a:blip>
+          <a:stretch>
+            <a:fillRect/>
+          </a:stretch>
+        </p:blipFill>
+        <p:spPr>
+          <a:xfrm>
+            <a:off x="3446129" y="2339975"/>
+            <a:ext cx="2972467" cy="3960813"/>
+          </a:xfrm>
+        </p:spPr>
+      </p:pic>
+    </p:spTree>
+    <p:extLst>
+      <p:ext uri="{BB962C8B-B14F-4D97-AF65-F5344CB8AC3E}">
+        <p14:creationId xmlns:p14="http://schemas.microsoft.com/office/powerpoint/2010/main" val="2111250581"/>
       </p:ext>
     </p:extLst>
   </p:cSld>

--- a/02-status-reports/20190606/fehle_halbhuber_sasse_predict_vr_movement.pptx
+++ b/02-status-reports/20190606/fehle_halbhuber_sasse_predict_vr_movement.pptx
@@ -196,26 +196,507 @@
     <cx:externalData r:id="rId1" cx:autoUpdate="0"/>
     <cx:data id="0">
       <cx:numDim type="val">
-        <cx:f>Tabelle1!$A$2:$A$19</cx:f>
-        <cx:lvl ptCount="18" formatCode="Standard">
-          <cx:pt idx="0">11</cx:pt>
-          <cx:pt idx="1">13</cx:pt>
-          <cx:pt idx="2">14</cx:pt>
-          <cx:pt idx="3">12</cx:pt>
-          <cx:pt idx="4">15</cx:pt>
-          <cx:pt idx="5">17</cx:pt>
-          <cx:pt idx="6">21</cx:pt>
-          <cx:pt idx="7">18</cx:pt>
-          <cx:pt idx="8">17</cx:pt>
-          <cx:pt idx="9">16</cx:pt>
-          <cx:pt idx="10">15</cx:pt>
-          <cx:pt idx="11">14</cx:pt>
-          <cx:pt idx="12">17</cx:pt>
-          <cx:pt idx="13">18</cx:pt>
-          <cx:pt idx="14">21</cx:pt>
-          <cx:pt idx="15">22</cx:pt>
-          <cx:pt idx="16">25</cx:pt>
-          <cx:pt idx="17">23</cx:pt>
+        <cx:f>Tabelle1!$A$2:$A$500</cx:f>
+        <cx:lvl ptCount="499" formatCode="Standard">
+          <cx:pt idx="0">29</cx:pt>
+          <cx:pt idx="1">17</cx:pt>
+          <cx:pt idx="2">19</cx:pt>
+          <cx:pt idx="3">28</cx:pt>
+          <cx:pt idx="4">25</cx:pt>
+          <cx:pt idx="5">20</cx:pt>
+          <cx:pt idx="6">20</cx:pt>
+          <cx:pt idx="7">25</cx:pt>
+          <cx:pt idx="8">27</cx:pt>
+          <cx:pt idx="9">14</cx:pt>
+          <cx:pt idx="10">30</cx:pt>
+          <cx:pt idx="11">18</cx:pt>
+          <cx:pt idx="12">21</cx:pt>
+          <cx:pt idx="13">14</cx:pt>
+          <cx:pt idx="14">14</cx:pt>
+          <cx:pt idx="15">16</cx:pt>
+          <cx:pt idx="16">24</cx:pt>
+          <cx:pt idx="17">26</cx:pt>
+          <cx:pt idx="18">19</cx:pt>
+          <cx:pt idx="19">15</cx:pt>
+          <cx:pt idx="20">10</cx:pt>
+          <cx:pt idx="21">16</cx:pt>
+          <cx:pt idx="22">14</cx:pt>
+          <cx:pt idx="23">15</cx:pt>
+          <cx:pt idx="24">29</cx:pt>
+          <cx:pt idx="25">15</cx:pt>
+          <cx:pt idx="26">7</cx:pt>
+          <cx:pt idx="27">14</cx:pt>
+          <cx:pt idx="28">17</cx:pt>
+          <cx:pt idx="29">25</cx:pt>
+          <cx:pt idx="30">8</cx:pt>
+          <cx:pt idx="31">17</cx:pt>
+          <cx:pt idx="32">18</cx:pt>
+          <cx:pt idx="33">20</cx:pt>
+          <cx:pt idx="34">11</cx:pt>
+          <cx:pt idx="35">18</cx:pt>
+          <cx:pt idx="36">28</cx:pt>
+          <cx:pt idx="37">30</cx:pt>
+          <cx:pt idx="38">16</cx:pt>
+          <cx:pt idx="39">17</cx:pt>
+          <cx:pt idx="40">24</cx:pt>
+          <cx:pt idx="41">25</cx:pt>
+          <cx:pt idx="42">25</cx:pt>
+          <cx:pt idx="43">25</cx:pt>
+          <cx:pt idx="44">28</cx:pt>
+          <cx:pt idx="45">15</cx:pt>
+          <cx:pt idx="46">26</cx:pt>
+          <cx:pt idx="47">29</cx:pt>
+          <cx:pt idx="48">12</cx:pt>
+          <cx:pt idx="49">27</cx:pt>
+          <cx:pt idx="50">22</cx:pt>
+          <cx:pt idx="51">8</cx:pt>
+          <cx:pt idx="52">20</cx:pt>
+          <cx:pt idx="53">21</cx:pt>
+          <cx:pt idx="54">29</cx:pt>
+          <cx:pt idx="55">10</cx:pt>
+          <cx:pt idx="56">17</cx:pt>
+          <cx:pt idx="57">30</cx:pt>
+          <cx:pt idx="58">7</cx:pt>
+          <cx:pt idx="59">15</cx:pt>
+          <cx:pt idx="60">10</cx:pt>
+          <cx:pt idx="61">9</cx:pt>
+          <cx:pt idx="62">23</cx:pt>
+          <cx:pt idx="63">21</cx:pt>
+          <cx:pt idx="64">12</cx:pt>
+          <cx:pt idx="65">10</cx:pt>
+          <cx:pt idx="66">26</cx:pt>
+          <cx:pt idx="67">7</cx:pt>
+          <cx:pt idx="68">23</cx:pt>
+          <cx:pt idx="69">18</cx:pt>
+          <cx:pt idx="70">9</cx:pt>
+          <cx:pt idx="71">18</cx:pt>
+          <cx:pt idx="72">19</cx:pt>
+          <cx:pt idx="73">30</cx:pt>
+          <cx:pt idx="74">14</cx:pt>
+          <cx:pt idx="75">22</cx:pt>
+          <cx:pt idx="76">7</cx:pt>
+          <cx:pt idx="77">26</cx:pt>
+          <cx:pt idx="78">26</cx:pt>
+          <cx:pt idx="79">14</cx:pt>
+          <cx:pt idx="80">10</cx:pt>
+          <cx:pt idx="81">22</cx:pt>
+          <cx:pt idx="82">23</cx:pt>
+          <cx:pt idx="83">11</cx:pt>
+          <cx:pt idx="84">24</cx:pt>
+          <cx:pt idx="85">18</cx:pt>
+          <cx:pt idx="86">27</cx:pt>
+          <cx:pt idx="87">21</cx:pt>
+          <cx:pt idx="88">11</cx:pt>
+          <cx:pt idx="89">20</cx:pt>
+          <cx:pt idx="90">29</cx:pt>
+          <cx:pt idx="91">23</cx:pt>
+          <cx:pt idx="92">14</cx:pt>
+          <cx:pt idx="93">29</cx:pt>
+          <cx:pt idx="94">15</cx:pt>
+          <cx:pt idx="95">24</cx:pt>
+          <cx:pt idx="96">18</cx:pt>
+          <cx:pt idx="97">20</cx:pt>
+          <cx:pt idx="98">21</cx:pt>
+          <cx:pt idx="99">10</cx:pt>
+          <cx:pt idx="100">8</cx:pt>
+          <cx:pt idx="101">25</cx:pt>
+          <cx:pt idx="102">28</cx:pt>
+          <cx:pt idx="103">23</cx:pt>
+          <cx:pt idx="104">13</cx:pt>
+          <cx:pt idx="105">12</cx:pt>
+          <cx:pt idx="106">24</cx:pt>
+          <cx:pt idx="107">30</cx:pt>
+          <cx:pt idx="108">18</cx:pt>
+          <cx:pt idx="109">13</cx:pt>
+          <cx:pt idx="110">20</cx:pt>
+          <cx:pt idx="111">16</cx:pt>
+          <cx:pt idx="112">21</cx:pt>
+          <cx:pt idx="113">11</cx:pt>
+          <cx:pt idx="114">28</cx:pt>
+          <cx:pt idx="115">27</cx:pt>
+          <cx:pt idx="116">13</cx:pt>
+          <cx:pt idx="117">22</cx:pt>
+          <cx:pt idx="118">28</cx:pt>
+          <cx:pt idx="119">7</cx:pt>
+          <cx:pt idx="120">16</cx:pt>
+          <cx:pt idx="121">26</cx:pt>
+          <cx:pt idx="122">10</cx:pt>
+          <cx:pt idx="123">22</cx:pt>
+          <cx:pt idx="124">14</cx:pt>
+          <cx:pt idx="125">7</cx:pt>
+          <cx:pt idx="126">8</cx:pt>
+          <cx:pt idx="127">14</cx:pt>
+          <cx:pt idx="128">19</cx:pt>
+          <cx:pt idx="129">12</cx:pt>
+          <cx:pt idx="130">9</cx:pt>
+          <cx:pt idx="131">20</cx:pt>
+          <cx:pt idx="132">9</cx:pt>
+          <cx:pt idx="133">27</cx:pt>
+          <cx:pt idx="134">9</cx:pt>
+          <cx:pt idx="135">24</cx:pt>
+          <cx:pt idx="136">10</cx:pt>
+          <cx:pt idx="137">9</cx:pt>
+          <cx:pt idx="138">14</cx:pt>
+          <cx:pt idx="139">17</cx:pt>
+          <cx:pt idx="140">15</cx:pt>
+          <cx:pt idx="141">15</cx:pt>
+          <cx:pt idx="142">29</cx:pt>
+          <cx:pt idx="143">7</cx:pt>
+          <cx:pt idx="144">30</cx:pt>
+          <cx:pt idx="145">29</cx:pt>
+          <cx:pt idx="146">12</cx:pt>
+          <cx:pt idx="147">20</cx:pt>
+          <cx:pt idx="148">7</cx:pt>
+          <cx:pt idx="149">30</cx:pt>
+          <cx:pt idx="150">29</cx:pt>
+          <cx:pt idx="151">11</cx:pt>
+          <cx:pt idx="152">16</cx:pt>
+          <cx:pt idx="153">18</cx:pt>
+          <cx:pt idx="154">22</cx:pt>
+          <cx:pt idx="155">8</cx:pt>
+          <cx:pt idx="156">28</cx:pt>
+          <cx:pt idx="157">16</cx:pt>
+          <cx:pt idx="158">20</cx:pt>
+          <cx:pt idx="159">11</cx:pt>
+          <cx:pt idx="160">12</cx:pt>
+          <cx:pt idx="161">18</cx:pt>
+          <cx:pt idx="162">29</cx:pt>
+          <cx:pt idx="163">7</cx:pt>
+          <cx:pt idx="164">24</cx:pt>
+          <cx:pt idx="165">21</cx:pt>
+          <cx:pt idx="166">8</cx:pt>
+          <cx:pt idx="167">20</cx:pt>
+          <cx:pt idx="168">24</cx:pt>
+          <cx:pt idx="169">14</cx:pt>
+          <cx:pt idx="170">29</cx:pt>
+          <cx:pt idx="171">8</cx:pt>
+          <cx:pt idx="172">7</cx:pt>
+          <cx:pt idx="173">7</cx:pt>
+          <cx:pt idx="174">16</cx:pt>
+          <cx:pt idx="175">17</cx:pt>
+          <cx:pt idx="176">13</cx:pt>
+          <cx:pt idx="177">11</cx:pt>
+          <cx:pt idx="178">18</cx:pt>
+          <cx:pt idx="179">12</cx:pt>
+          <cx:pt idx="180">28</cx:pt>
+          <cx:pt idx="181">23</cx:pt>
+          <cx:pt idx="182">25</cx:pt>
+          <cx:pt idx="183">24</cx:pt>
+          <cx:pt idx="184">22</cx:pt>
+          <cx:pt idx="185">19</cx:pt>
+          <cx:pt idx="186">25</cx:pt>
+          <cx:pt idx="187">29</cx:pt>
+          <cx:pt idx="188">17</cx:pt>
+          <cx:pt idx="189">13</cx:pt>
+          <cx:pt idx="190">30</cx:pt>
+          <cx:pt idx="191">16</cx:pt>
+          <cx:pt idx="192">28</cx:pt>
+          <cx:pt idx="193">28</cx:pt>
+          <cx:pt idx="194">28</cx:pt>
+          <cx:pt idx="195">17</cx:pt>
+          <cx:pt idx="196">14</cx:pt>
+          <cx:pt idx="197">14</cx:pt>
+          <cx:pt idx="198">20</cx:pt>
+          <cx:pt idx="199">15</cx:pt>
+          <cx:pt idx="200">11</cx:pt>
+          <cx:pt idx="201">21</cx:pt>
+          <cx:pt idx="202">20</cx:pt>
+          <cx:pt idx="203">28</cx:pt>
+          <cx:pt idx="204">21</cx:pt>
+          <cx:pt idx="205">21</cx:pt>
+          <cx:pt idx="206">24</cx:pt>
+          <cx:pt idx="207">20</cx:pt>
+          <cx:pt idx="208">22</cx:pt>
+          <cx:pt idx="209">27</cx:pt>
+          <cx:pt idx="210">14</cx:pt>
+          <cx:pt idx="211">14</cx:pt>
+          <cx:pt idx="212">15</cx:pt>
+          <cx:pt idx="213">14</cx:pt>
+          <cx:pt idx="214">29</cx:pt>
+          <cx:pt idx="215">20</cx:pt>
+          <cx:pt idx="216">9</cx:pt>
+          <cx:pt idx="217">11</cx:pt>
+          <cx:pt idx="218">24</cx:pt>
+          <cx:pt idx="219">7</cx:pt>
+          <cx:pt idx="220">25</cx:pt>
+          <cx:pt idx="221">23</cx:pt>
+          <cx:pt idx="222">16</cx:pt>
+          <cx:pt idx="223">28</cx:pt>
+          <cx:pt idx="224">27</cx:pt>
+          <cx:pt idx="225">20</cx:pt>
+          <cx:pt idx="226">16</cx:pt>
+          <cx:pt idx="227">23</cx:pt>
+          <cx:pt idx="228">19</cx:pt>
+          <cx:pt idx="229">18</cx:pt>
+          <cx:pt idx="230">22</cx:pt>
+          <cx:pt idx="231">28</cx:pt>
+          <cx:pt idx="232">13</cx:pt>
+          <cx:pt idx="233">29</cx:pt>
+          <cx:pt idx="234">23</cx:pt>
+          <cx:pt idx="235">10</cx:pt>
+          <cx:pt idx="236">14</cx:pt>
+          <cx:pt idx="237">10</cx:pt>
+          <cx:pt idx="238">22</cx:pt>
+          <cx:pt idx="239">17</cx:pt>
+          <cx:pt idx="240">20</cx:pt>
+          <cx:pt idx="241">24</cx:pt>
+          <cx:pt idx="242">7</cx:pt>
+          <cx:pt idx="243">10</cx:pt>
+          <cx:pt idx="244">23</cx:pt>
+          <cx:pt idx="245">7</cx:pt>
+          <cx:pt idx="246">24</cx:pt>
+          <cx:pt idx="247">23</cx:pt>
+          <cx:pt idx="248">26</cx:pt>
+          <cx:pt idx="249">27</cx:pt>
+          <cx:pt idx="250">24</cx:pt>
+          <cx:pt idx="251">30</cx:pt>
+          <cx:pt idx="252">14</cx:pt>
+          <cx:pt idx="253">29</cx:pt>
+          <cx:pt idx="254">25</cx:pt>
+          <cx:pt idx="255">13</cx:pt>
+          <cx:pt idx="256">22</cx:pt>
+          <cx:pt idx="257">8</cx:pt>
+          <cx:pt idx="258">17</cx:pt>
+          <cx:pt idx="259">25</cx:pt>
+          <cx:pt idx="260">7</cx:pt>
+          <cx:pt idx="261">29</cx:pt>
+          <cx:pt idx="262">10</cx:pt>
+          <cx:pt idx="263">29</cx:pt>
+          <cx:pt idx="264">9</cx:pt>
+          <cx:pt idx="265">8</cx:pt>
+          <cx:pt idx="266">16</cx:pt>
+          <cx:pt idx="267">27</cx:pt>
+          <cx:pt idx="268">14</cx:pt>
+          <cx:pt idx="269">9</cx:pt>
+          <cx:pt idx="270">22</cx:pt>
+          <cx:pt idx="271">25</cx:pt>
+          <cx:pt idx="272">14</cx:pt>
+          <cx:pt idx="273">28</cx:pt>
+          <cx:pt idx="274">28</cx:pt>
+          <cx:pt idx="275">24</cx:pt>
+          <cx:pt idx="276">20</cx:pt>
+          <cx:pt idx="277">13</cx:pt>
+          <cx:pt idx="278">9</cx:pt>
+          <cx:pt idx="279">8</cx:pt>
+          <cx:pt idx="280">26</cx:pt>
+          <cx:pt idx="281">13</cx:pt>
+          <cx:pt idx="282">17</cx:pt>
+          <cx:pt idx="283">23</cx:pt>
+          <cx:pt idx="284">30</cx:pt>
+          <cx:pt idx="285">22</cx:pt>
+          <cx:pt idx="286">14</cx:pt>
+          <cx:pt idx="287">29</cx:pt>
+          <cx:pt idx="288">24</cx:pt>
+          <cx:pt idx="289">14</cx:pt>
+          <cx:pt idx="290">7</cx:pt>
+          <cx:pt idx="291">10</cx:pt>
+          <cx:pt idx="292">28</cx:pt>
+          <cx:pt idx="293">7</cx:pt>
+          <cx:pt idx="294">7</cx:pt>
+          <cx:pt idx="295">16</cx:pt>
+          <cx:pt idx="296">25</cx:pt>
+          <cx:pt idx="297">7</cx:pt>
+          <cx:pt idx="298">16</cx:pt>
+          <cx:pt idx="299">12</cx:pt>
+          <cx:pt idx="300">17</cx:pt>
+          <cx:pt idx="301">26</cx:pt>
+          <cx:pt idx="302">24</cx:pt>
+          <cx:pt idx="303">14</cx:pt>
+          <cx:pt idx="304">10</cx:pt>
+          <cx:pt idx="305">19</cx:pt>
+          <cx:pt idx="306">7</cx:pt>
+          <cx:pt idx="307">23</cx:pt>
+          <cx:pt idx="308">22</cx:pt>
+          <cx:pt idx="309">7</cx:pt>
+          <cx:pt idx="310">13</cx:pt>
+          <cx:pt idx="311">20</cx:pt>
+          <cx:pt idx="312">22</cx:pt>
+          <cx:pt idx="313">24</cx:pt>
+          <cx:pt idx="314">26</cx:pt>
+          <cx:pt idx="315">9</cx:pt>
+          <cx:pt idx="316">25</cx:pt>
+          <cx:pt idx="317">17</cx:pt>
+          <cx:pt idx="318">15</cx:pt>
+          <cx:pt idx="319">23</cx:pt>
+          <cx:pt idx="320">26</cx:pt>
+          <cx:pt idx="321">20</cx:pt>
+          <cx:pt idx="322">30</cx:pt>
+          <cx:pt idx="323">19</cx:pt>
+          <cx:pt idx="324">24</cx:pt>
+          <cx:pt idx="325">19</cx:pt>
+          <cx:pt idx="326">22</cx:pt>
+          <cx:pt idx="327">30</cx:pt>
+          <cx:pt idx="328">16</cx:pt>
+          <cx:pt idx="329">23</cx:pt>
+          <cx:pt idx="330">15</cx:pt>
+          <cx:pt idx="331">18</cx:pt>
+          <cx:pt idx="332">30</cx:pt>
+          <cx:pt idx="333">10</cx:pt>
+          <cx:pt idx="334">28</cx:pt>
+          <cx:pt idx="335">19</cx:pt>
+          <cx:pt idx="336">25</cx:pt>
+          <cx:pt idx="337">24</cx:pt>
+          <cx:pt idx="338">23</cx:pt>
+          <cx:pt idx="339">17</cx:pt>
+          <cx:pt idx="340">27</cx:pt>
+          <cx:pt idx="341">13</cx:pt>
+          <cx:pt idx="342">10</cx:pt>
+          <cx:pt idx="343">27</cx:pt>
+          <cx:pt idx="344">23</cx:pt>
+          <cx:pt idx="345">12</cx:pt>
+          <cx:pt idx="346">8</cx:pt>
+          <cx:pt idx="347">12</cx:pt>
+          <cx:pt idx="348">18</cx:pt>
+          <cx:pt idx="349">12</cx:pt>
+          <cx:pt idx="350">8</cx:pt>
+          <cx:pt idx="351">18</cx:pt>
+          <cx:pt idx="352">14</cx:pt>
+          <cx:pt idx="353">15</cx:pt>
+          <cx:pt idx="354">25</cx:pt>
+          <cx:pt idx="355">16</cx:pt>
+          <cx:pt idx="356">24</cx:pt>
+          <cx:pt idx="357">18</cx:pt>
+          <cx:pt idx="358">14</cx:pt>
+          <cx:pt idx="359">7</cx:pt>
+          <cx:pt idx="360">11</cx:pt>
+          <cx:pt idx="361">29</cx:pt>
+          <cx:pt idx="362">12</cx:pt>
+          <cx:pt idx="363">27</cx:pt>
+          <cx:pt idx="364">26</cx:pt>
+          <cx:pt idx="365">15</cx:pt>
+          <cx:pt idx="366">15</cx:pt>
+          <cx:pt idx="367">17</cx:pt>
+          <cx:pt idx="368">12</cx:pt>
+          <cx:pt idx="369">28</cx:pt>
+          <cx:pt idx="370">22</cx:pt>
+          <cx:pt idx="371">27</cx:pt>
+          <cx:pt idx="372">29</cx:pt>
+          <cx:pt idx="373">26</cx:pt>
+          <cx:pt idx="374">29</cx:pt>
+          <cx:pt idx="375">12</cx:pt>
+          <cx:pt idx="376">18</cx:pt>
+          <cx:pt idx="377">11</cx:pt>
+          <cx:pt idx="378">18</cx:pt>
+          <cx:pt idx="379">22</cx:pt>
+          <cx:pt idx="380">23</cx:pt>
+          <cx:pt idx="381">15</cx:pt>
+          <cx:pt idx="382">27</cx:pt>
+          <cx:pt idx="383">18</cx:pt>
+          <cx:pt idx="384">27</cx:pt>
+          <cx:pt idx="385">7</cx:pt>
+          <cx:pt idx="386">26</cx:pt>
+          <cx:pt idx="387">19</cx:pt>
+          <cx:pt idx="388">18</cx:pt>
+          <cx:pt idx="389">21</cx:pt>
+          <cx:pt idx="390">26</cx:pt>
+          <cx:pt idx="391">19</cx:pt>
+          <cx:pt idx="392">17</cx:pt>
+          <cx:pt idx="393">9</cx:pt>
+          <cx:pt idx="394">21</cx:pt>
+          <cx:pt idx="395">29</cx:pt>
+          <cx:pt idx="396">9</cx:pt>
+          <cx:pt idx="397">21</cx:pt>
+          <cx:pt idx="398">19</cx:pt>
+          <cx:pt idx="399">12</cx:pt>
+          <cx:pt idx="400">30</cx:pt>
+          <cx:pt idx="401">11</cx:pt>
+          <cx:pt idx="402">11</cx:pt>
+          <cx:pt idx="403">15</cx:pt>
+          <cx:pt idx="404">28</cx:pt>
+          <cx:pt idx="405">22</cx:pt>
+          <cx:pt idx="406">9</cx:pt>
+          <cx:pt idx="407">16</cx:pt>
+          <cx:pt idx="408">19</cx:pt>
+          <cx:pt idx="409">29</cx:pt>
+          <cx:pt idx="410">26</cx:pt>
+          <cx:pt idx="411">16</cx:pt>
+          <cx:pt idx="412">9</cx:pt>
+          <cx:pt idx="413">23</cx:pt>
+          <cx:pt idx="414">17</cx:pt>
+          <cx:pt idx="415">10</cx:pt>
+          <cx:pt idx="416">23</cx:pt>
+          <cx:pt idx="417">25</cx:pt>
+          <cx:pt idx="418">21</cx:pt>
+          <cx:pt idx="419">12</cx:pt>
+          <cx:pt idx="420">28</cx:pt>
+          <cx:pt idx="421">26</cx:pt>
+          <cx:pt idx="422">11</cx:pt>
+          <cx:pt idx="423">25</cx:pt>
+          <cx:pt idx="424">19</cx:pt>
+          <cx:pt idx="425">7</cx:pt>
+          <cx:pt idx="426">20</cx:pt>
+          <cx:pt idx="427">20</cx:pt>
+          <cx:pt idx="428">25</cx:pt>
+          <cx:pt idx="429">29</cx:pt>
+          <cx:pt idx="430">24</cx:pt>
+          <cx:pt idx="431">7</cx:pt>
+          <cx:pt idx="432">26</cx:pt>
+          <cx:pt idx="433">29</cx:pt>
+          <cx:pt idx="434">18</cx:pt>
+          <cx:pt idx="435">13</cx:pt>
+          <cx:pt idx="436">22</cx:pt>
+          <cx:pt idx="437">7</cx:pt>
+          <cx:pt idx="438">24</cx:pt>
+          <cx:pt idx="439">7</cx:pt>
+          <cx:pt idx="440">20</cx:pt>
+          <cx:pt idx="441">13</cx:pt>
+          <cx:pt idx="442">30</cx:pt>
+          <cx:pt idx="443">7</cx:pt>
+          <cx:pt idx="444">13</cx:pt>
+          <cx:pt idx="445">24</cx:pt>
+          <cx:pt idx="446">29</cx:pt>
+          <cx:pt idx="447">16</cx:pt>
+          <cx:pt idx="448">19</cx:pt>
+          <cx:pt idx="449">16</cx:pt>
+          <cx:pt idx="450">15</cx:pt>
+          <cx:pt idx="451">7</cx:pt>
+          <cx:pt idx="452">26</cx:pt>
+          <cx:pt idx="453">29</cx:pt>
+          <cx:pt idx="454">15</cx:pt>
+          <cx:pt idx="455">10</cx:pt>
+          <cx:pt idx="456">9</cx:pt>
+          <cx:pt idx="457">14</cx:pt>
+          <cx:pt idx="458">30</cx:pt>
+          <cx:pt idx="459">15</cx:pt>
+          <cx:pt idx="460">27</cx:pt>
+          <cx:pt idx="461">20</cx:pt>
+          <cx:pt idx="462">15</cx:pt>
+          <cx:pt idx="463">18</cx:pt>
+          <cx:pt idx="464">12</cx:pt>
+          <cx:pt idx="465">13</cx:pt>
+          <cx:pt idx="466">10</cx:pt>
+          <cx:pt idx="467">7</cx:pt>
+          <cx:pt idx="468">19</cx:pt>
+          <cx:pt idx="469">18</cx:pt>
+          <cx:pt idx="470">9</cx:pt>
+          <cx:pt idx="471">20</cx:pt>
+          <cx:pt idx="472">19</cx:pt>
+          <cx:pt idx="473">27</cx:pt>
+          <cx:pt idx="474">7</cx:pt>
+          <cx:pt idx="475">10</cx:pt>
+          <cx:pt idx="476">12</cx:pt>
+          <cx:pt idx="477">7</cx:pt>
+          <cx:pt idx="478">8</cx:pt>
+          <cx:pt idx="479">20</cx:pt>
+          <cx:pt idx="480">24</cx:pt>
+          <cx:pt idx="481">27</cx:pt>
+          <cx:pt idx="482">29</cx:pt>
+          <cx:pt idx="483">30</cx:pt>
+          <cx:pt idx="484">9</cx:pt>
+          <cx:pt idx="485">17</cx:pt>
+          <cx:pt idx="486">28</cx:pt>
+          <cx:pt idx="487">20</cx:pt>
+          <cx:pt idx="488">7</cx:pt>
+          <cx:pt idx="489">7</cx:pt>
+          <cx:pt idx="490">21</cx:pt>
+          <cx:pt idx="491">17</cx:pt>
+          <cx:pt idx="492">10</cx:pt>
+          <cx:pt idx="493">13</cx:pt>
+          <cx:pt idx="494">20</cx:pt>
+          <cx:pt idx="495">21</cx:pt>
+          <cx:pt idx="496">24</cx:pt>
+          <cx:pt idx="497">14</cx:pt>
+          <cx:pt idx="498">18</cx:pt>
         </cx:lvl>
       </cx:numDim>
     </cx:data>
@@ -251,11 +732,11 @@
     </cx:title>
     <cx:plotArea>
       <cx:plotAreaRegion>
-        <cx:series layoutId="clusteredColumn" uniqueId="{00000005-6A6F-4F67-8AAB-E80693348689}">
+        <cx:series layoutId="clusteredColumn" uniqueId="{2C658C38-F264-4F45-B167-9E1D8BAEBA76}">
           <cx:tx>
             <cx:txData>
               <cx:f>Tabelle1!$A$1</cx:f>
-              <cx:v>Datenreihe1</cx:v>
+              <cx:v>Latencies</cx:v>
             </cx:txData>
           </cx:tx>
           <cx:dataId val="0"/>
@@ -3427,7 +3908,7 @@
                 <p:ph sz="half" idx="1"/>
                 <p:extLst>
                   <p:ext uri="{D42A27DB-BD31-4B8C-83A1-F6EECF244321}">
-                    <p14:modId xmlns:p14="http://schemas.microsoft.com/office/powerpoint/2010/main" val="3752747343"/>
+                    <p14:modId xmlns:p14="http://schemas.microsoft.com/office/powerpoint/2010/main" val="3023386812"/>
                   </p:ext>
                 </p:extLst>
               </p:nvPr>

--- a/02-status-reports/20190606/fehle_halbhuber_sasse_predict_vr_movement.pptx
+++ b/02-status-reports/20190606/fehle_halbhuber_sasse_predict_vr_movement.pptx
@@ -5,10 +5,10 @@
     <p:sldMasterId id="2147483648" r:id="rId1"/>
   </p:sldMasterIdLst>
   <p:notesMasterIdLst>
-    <p:notesMasterId r:id="rId14"/>
+    <p:notesMasterId r:id="rId16"/>
   </p:notesMasterIdLst>
   <p:handoutMasterIdLst>
-    <p:handoutMasterId r:id="rId15"/>
+    <p:handoutMasterId r:id="rId17"/>
   </p:handoutMasterIdLst>
   <p:sldIdLst>
     <p:sldId id="258" r:id="rId2"/>
@@ -20,9 +20,11 @@
     <p:sldId id="287" r:id="rId8"/>
     <p:sldId id="280" r:id="rId9"/>
     <p:sldId id="285" r:id="rId10"/>
-    <p:sldId id="279" r:id="rId11"/>
-    <p:sldId id="277" r:id="rId12"/>
-    <p:sldId id="273" r:id="rId13"/>
+    <p:sldId id="289" r:id="rId11"/>
+    <p:sldId id="290" r:id="rId12"/>
+    <p:sldId id="291" r:id="rId13"/>
+    <p:sldId id="277" r:id="rId14"/>
+    <p:sldId id="273" r:id="rId15"/>
   </p:sldIdLst>
   <p:sldSz cx="9144000" cy="6858000" type="screen4x3"/>
   <p:notesSz cx="6858000" cy="9144000"/>
@@ -135,7 +137,9 @@
             <p14:sldId id="287"/>
             <p14:sldId id="280"/>
             <p14:sldId id="285"/>
-            <p14:sldId id="279"/>
+            <p14:sldId id="289"/>
+            <p14:sldId id="290"/>
+            <p14:sldId id="291"/>
             <p14:sldId id="277"/>
           </p14:sldIdLst>
         </p14:section>
@@ -190,1120 +194,6 @@
 </p:cmAuthorLst>
 </file>
 
-<file path=ppt/charts/chartEx1.xml><?xml version="1.0" encoding="utf-8"?>
-<cx:chartSpace xmlns:a="http://schemas.openxmlformats.org/drawingml/2006/main" xmlns:r="http://schemas.openxmlformats.org/officeDocument/2006/relationships" xmlns:cx="http://schemas.microsoft.com/office/drawing/2014/chartex">
-  <cx:chartData>
-    <cx:externalData r:id="rId1" cx:autoUpdate="0"/>
-    <cx:data id="0">
-      <cx:numDim type="val">
-        <cx:f>Tabelle1!$A$2:$A$500</cx:f>
-        <cx:lvl ptCount="499" formatCode="Standard">
-          <cx:pt idx="0">29</cx:pt>
-          <cx:pt idx="1">17</cx:pt>
-          <cx:pt idx="2">19</cx:pt>
-          <cx:pt idx="3">28</cx:pt>
-          <cx:pt idx="4">25</cx:pt>
-          <cx:pt idx="5">20</cx:pt>
-          <cx:pt idx="6">20</cx:pt>
-          <cx:pt idx="7">25</cx:pt>
-          <cx:pt idx="8">27</cx:pt>
-          <cx:pt idx="9">14</cx:pt>
-          <cx:pt idx="10">30</cx:pt>
-          <cx:pt idx="11">18</cx:pt>
-          <cx:pt idx="12">21</cx:pt>
-          <cx:pt idx="13">14</cx:pt>
-          <cx:pt idx="14">14</cx:pt>
-          <cx:pt idx="15">16</cx:pt>
-          <cx:pt idx="16">24</cx:pt>
-          <cx:pt idx="17">26</cx:pt>
-          <cx:pt idx="18">19</cx:pt>
-          <cx:pt idx="19">15</cx:pt>
-          <cx:pt idx="20">10</cx:pt>
-          <cx:pt idx="21">16</cx:pt>
-          <cx:pt idx="22">14</cx:pt>
-          <cx:pt idx="23">15</cx:pt>
-          <cx:pt idx="24">29</cx:pt>
-          <cx:pt idx="25">15</cx:pt>
-          <cx:pt idx="26">7</cx:pt>
-          <cx:pt idx="27">14</cx:pt>
-          <cx:pt idx="28">17</cx:pt>
-          <cx:pt idx="29">25</cx:pt>
-          <cx:pt idx="30">8</cx:pt>
-          <cx:pt idx="31">17</cx:pt>
-          <cx:pt idx="32">18</cx:pt>
-          <cx:pt idx="33">20</cx:pt>
-          <cx:pt idx="34">11</cx:pt>
-          <cx:pt idx="35">18</cx:pt>
-          <cx:pt idx="36">28</cx:pt>
-          <cx:pt idx="37">30</cx:pt>
-          <cx:pt idx="38">16</cx:pt>
-          <cx:pt idx="39">17</cx:pt>
-          <cx:pt idx="40">24</cx:pt>
-          <cx:pt idx="41">25</cx:pt>
-          <cx:pt idx="42">25</cx:pt>
-          <cx:pt idx="43">25</cx:pt>
-          <cx:pt idx="44">28</cx:pt>
-          <cx:pt idx="45">15</cx:pt>
-          <cx:pt idx="46">26</cx:pt>
-          <cx:pt idx="47">29</cx:pt>
-          <cx:pt idx="48">12</cx:pt>
-          <cx:pt idx="49">27</cx:pt>
-          <cx:pt idx="50">22</cx:pt>
-          <cx:pt idx="51">8</cx:pt>
-          <cx:pt idx="52">20</cx:pt>
-          <cx:pt idx="53">21</cx:pt>
-          <cx:pt idx="54">29</cx:pt>
-          <cx:pt idx="55">10</cx:pt>
-          <cx:pt idx="56">17</cx:pt>
-          <cx:pt idx="57">30</cx:pt>
-          <cx:pt idx="58">7</cx:pt>
-          <cx:pt idx="59">15</cx:pt>
-          <cx:pt idx="60">10</cx:pt>
-          <cx:pt idx="61">9</cx:pt>
-          <cx:pt idx="62">23</cx:pt>
-          <cx:pt idx="63">21</cx:pt>
-          <cx:pt idx="64">12</cx:pt>
-          <cx:pt idx="65">10</cx:pt>
-          <cx:pt idx="66">26</cx:pt>
-          <cx:pt idx="67">7</cx:pt>
-          <cx:pt idx="68">23</cx:pt>
-          <cx:pt idx="69">18</cx:pt>
-          <cx:pt idx="70">9</cx:pt>
-          <cx:pt idx="71">18</cx:pt>
-          <cx:pt idx="72">19</cx:pt>
-          <cx:pt idx="73">30</cx:pt>
-          <cx:pt idx="74">14</cx:pt>
-          <cx:pt idx="75">22</cx:pt>
-          <cx:pt idx="76">7</cx:pt>
-          <cx:pt idx="77">26</cx:pt>
-          <cx:pt idx="78">26</cx:pt>
-          <cx:pt idx="79">14</cx:pt>
-          <cx:pt idx="80">10</cx:pt>
-          <cx:pt idx="81">22</cx:pt>
-          <cx:pt idx="82">23</cx:pt>
-          <cx:pt idx="83">11</cx:pt>
-          <cx:pt idx="84">24</cx:pt>
-          <cx:pt idx="85">18</cx:pt>
-          <cx:pt idx="86">27</cx:pt>
-          <cx:pt idx="87">21</cx:pt>
-          <cx:pt idx="88">11</cx:pt>
-          <cx:pt idx="89">20</cx:pt>
-          <cx:pt idx="90">29</cx:pt>
-          <cx:pt idx="91">23</cx:pt>
-          <cx:pt idx="92">14</cx:pt>
-          <cx:pt idx="93">29</cx:pt>
-          <cx:pt idx="94">15</cx:pt>
-          <cx:pt idx="95">24</cx:pt>
-          <cx:pt idx="96">18</cx:pt>
-          <cx:pt idx="97">20</cx:pt>
-          <cx:pt idx="98">21</cx:pt>
-          <cx:pt idx="99">10</cx:pt>
-          <cx:pt idx="100">8</cx:pt>
-          <cx:pt idx="101">25</cx:pt>
-          <cx:pt idx="102">28</cx:pt>
-          <cx:pt idx="103">23</cx:pt>
-          <cx:pt idx="104">13</cx:pt>
-          <cx:pt idx="105">12</cx:pt>
-          <cx:pt idx="106">24</cx:pt>
-          <cx:pt idx="107">30</cx:pt>
-          <cx:pt idx="108">18</cx:pt>
-          <cx:pt idx="109">13</cx:pt>
-          <cx:pt idx="110">20</cx:pt>
-          <cx:pt idx="111">16</cx:pt>
-          <cx:pt idx="112">21</cx:pt>
-          <cx:pt idx="113">11</cx:pt>
-          <cx:pt idx="114">28</cx:pt>
-          <cx:pt idx="115">27</cx:pt>
-          <cx:pt idx="116">13</cx:pt>
-          <cx:pt idx="117">22</cx:pt>
-          <cx:pt idx="118">28</cx:pt>
-          <cx:pt idx="119">7</cx:pt>
-          <cx:pt idx="120">16</cx:pt>
-          <cx:pt idx="121">26</cx:pt>
-          <cx:pt idx="122">10</cx:pt>
-          <cx:pt idx="123">22</cx:pt>
-          <cx:pt idx="124">14</cx:pt>
-          <cx:pt idx="125">7</cx:pt>
-          <cx:pt idx="126">8</cx:pt>
-          <cx:pt idx="127">14</cx:pt>
-          <cx:pt idx="128">19</cx:pt>
-          <cx:pt idx="129">12</cx:pt>
-          <cx:pt idx="130">9</cx:pt>
-          <cx:pt idx="131">20</cx:pt>
-          <cx:pt idx="132">9</cx:pt>
-          <cx:pt idx="133">27</cx:pt>
-          <cx:pt idx="134">9</cx:pt>
-          <cx:pt idx="135">24</cx:pt>
-          <cx:pt idx="136">10</cx:pt>
-          <cx:pt idx="137">9</cx:pt>
-          <cx:pt idx="138">14</cx:pt>
-          <cx:pt idx="139">17</cx:pt>
-          <cx:pt idx="140">15</cx:pt>
-          <cx:pt idx="141">15</cx:pt>
-          <cx:pt idx="142">29</cx:pt>
-          <cx:pt idx="143">7</cx:pt>
-          <cx:pt idx="144">30</cx:pt>
-          <cx:pt idx="145">29</cx:pt>
-          <cx:pt idx="146">12</cx:pt>
-          <cx:pt idx="147">20</cx:pt>
-          <cx:pt idx="148">7</cx:pt>
-          <cx:pt idx="149">30</cx:pt>
-          <cx:pt idx="150">29</cx:pt>
-          <cx:pt idx="151">11</cx:pt>
-          <cx:pt idx="152">16</cx:pt>
-          <cx:pt idx="153">18</cx:pt>
-          <cx:pt idx="154">22</cx:pt>
-          <cx:pt idx="155">8</cx:pt>
-          <cx:pt idx="156">28</cx:pt>
-          <cx:pt idx="157">16</cx:pt>
-          <cx:pt idx="158">20</cx:pt>
-          <cx:pt idx="159">11</cx:pt>
-          <cx:pt idx="160">12</cx:pt>
-          <cx:pt idx="161">18</cx:pt>
-          <cx:pt idx="162">29</cx:pt>
-          <cx:pt idx="163">7</cx:pt>
-          <cx:pt idx="164">24</cx:pt>
-          <cx:pt idx="165">21</cx:pt>
-          <cx:pt idx="166">8</cx:pt>
-          <cx:pt idx="167">20</cx:pt>
-          <cx:pt idx="168">24</cx:pt>
-          <cx:pt idx="169">14</cx:pt>
-          <cx:pt idx="170">29</cx:pt>
-          <cx:pt idx="171">8</cx:pt>
-          <cx:pt idx="172">7</cx:pt>
-          <cx:pt idx="173">7</cx:pt>
-          <cx:pt idx="174">16</cx:pt>
-          <cx:pt idx="175">17</cx:pt>
-          <cx:pt idx="176">13</cx:pt>
-          <cx:pt idx="177">11</cx:pt>
-          <cx:pt idx="178">18</cx:pt>
-          <cx:pt idx="179">12</cx:pt>
-          <cx:pt idx="180">28</cx:pt>
-          <cx:pt idx="181">23</cx:pt>
-          <cx:pt idx="182">25</cx:pt>
-          <cx:pt idx="183">24</cx:pt>
-          <cx:pt idx="184">22</cx:pt>
-          <cx:pt idx="185">19</cx:pt>
-          <cx:pt idx="186">25</cx:pt>
-          <cx:pt idx="187">29</cx:pt>
-          <cx:pt idx="188">17</cx:pt>
-          <cx:pt idx="189">13</cx:pt>
-          <cx:pt idx="190">30</cx:pt>
-          <cx:pt idx="191">16</cx:pt>
-          <cx:pt idx="192">28</cx:pt>
-          <cx:pt idx="193">28</cx:pt>
-          <cx:pt idx="194">28</cx:pt>
-          <cx:pt idx="195">17</cx:pt>
-          <cx:pt idx="196">14</cx:pt>
-          <cx:pt idx="197">14</cx:pt>
-          <cx:pt idx="198">20</cx:pt>
-          <cx:pt idx="199">15</cx:pt>
-          <cx:pt idx="200">11</cx:pt>
-          <cx:pt idx="201">21</cx:pt>
-          <cx:pt idx="202">20</cx:pt>
-          <cx:pt idx="203">28</cx:pt>
-          <cx:pt idx="204">21</cx:pt>
-          <cx:pt idx="205">21</cx:pt>
-          <cx:pt idx="206">24</cx:pt>
-          <cx:pt idx="207">20</cx:pt>
-          <cx:pt idx="208">22</cx:pt>
-          <cx:pt idx="209">27</cx:pt>
-          <cx:pt idx="210">14</cx:pt>
-          <cx:pt idx="211">14</cx:pt>
-          <cx:pt idx="212">15</cx:pt>
-          <cx:pt idx="213">14</cx:pt>
-          <cx:pt idx="214">29</cx:pt>
-          <cx:pt idx="215">20</cx:pt>
-          <cx:pt idx="216">9</cx:pt>
-          <cx:pt idx="217">11</cx:pt>
-          <cx:pt idx="218">24</cx:pt>
-          <cx:pt idx="219">7</cx:pt>
-          <cx:pt idx="220">25</cx:pt>
-          <cx:pt idx="221">23</cx:pt>
-          <cx:pt idx="222">16</cx:pt>
-          <cx:pt idx="223">28</cx:pt>
-          <cx:pt idx="224">27</cx:pt>
-          <cx:pt idx="225">20</cx:pt>
-          <cx:pt idx="226">16</cx:pt>
-          <cx:pt idx="227">23</cx:pt>
-          <cx:pt idx="228">19</cx:pt>
-          <cx:pt idx="229">18</cx:pt>
-          <cx:pt idx="230">22</cx:pt>
-          <cx:pt idx="231">28</cx:pt>
-          <cx:pt idx="232">13</cx:pt>
-          <cx:pt idx="233">29</cx:pt>
-          <cx:pt idx="234">23</cx:pt>
-          <cx:pt idx="235">10</cx:pt>
-          <cx:pt idx="236">14</cx:pt>
-          <cx:pt idx="237">10</cx:pt>
-          <cx:pt idx="238">22</cx:pt>
-          <cx:pt idx="239">17</cx:pt>
-          <cx:pt idx="240">20</cx:pt>
-          <cx:pt idx="241">24</cx:pt>
-          <cx:pt idx="242">7</cx:pt>
-          <cx:pt idx="243">10</cx:pt>
-          <cx:pt idx="244">23</cx:pt>
-          <cx:pt idx="245">7</cx:pt>
-          <cx:pt idx="246">24</cx:pt>
-          <cx:pt idx="247">23</cx:pt>
-          <cx:pt idx="248">26</cx:pt>
-          <cx:pt idx="249">27</cx:pt>
-          <cx:pt idx="250">24</cx:pt>
-          <cx:pt idx="251">30</cx:pt>
-          <cx:pt idx="252">14</cx:pt>
-          <cx:pt idx="253">29</cx:pt>
-          <cx:pt idx="254">25</cx:pt>
-          <cx:pt idx="255">13</cx:pt>
-          <cx:pt idx="256">22</cx:pt>
-          <cx:pt idx="257">8</cx:pt>
-          <cx:pt idx="258">17</cx:pt>
-          <cx:pt idx="259">25</cx:pt>
-          <cx:pt idx="260">7</cx:pt>
-          <cx:pt idx="261">29</cx:pt>
-          <cx:pt idx="262">10</cx:pt>
-          <cx:pt idx="263">29</cx:pt>
-          <cx:pt idx="264">9</cx:pt>
-          <cx:pt idx="265">8</cx:pt>
-          <cx:pt idx="266">16</cx:pt>
-          <cx:pt idx="267">27</cx:pt>
-          <cx:pt idx="268">14</cx:pt>
-          <cx:pt idx="269">9</cx:pt>
-          <cx:pt idx="270">22</cx:pt>
-          <cx:pt idx="271">25</cx:pt>
-          <cx:pt idx="272">14</cx:pt>
-          <cx:pt idx="273">28</cx:pt>
-          <cx:pt idx="274">28</cx:pt>
-          <cx:pt idx="275">24</cx:pt>
-          <cx:pt idx="276">20</cx:pt>
-          <cx:pt idx="277">13</cx:pt>
-          <cx:pt idx="278">9</cx:pt>
-          <cx:pt idx="279">8</cx:pt>
-          <cx:pt idx="280">26</cx:pt>
-          <cx:pt idx="281">13</cx:pt>
-          <cx:pt idx="282">17</cx:pt>
-          <cx:pt idx="283">23</cx:pt>
-          <cx:pt idx="284">30</cx:pt>
-          <cx:pt idx="285">22</cx:pt>
-          <cx:pt idx="286">14</cx:pt>
-          <cx:pt idx="287">29</cx:pt>
-          <cx:pt idx="288">24</cx:pt>
-          <cx:pt idx="289">14</cx:pt>
-          <cx:pt idx="290">7</cx:pt>
-          <cx:pt idx="291">10</cx:pt>
-          <cx:pt idx="292">28</cx:pt>
-          <cx:pt idx="293">7</cx:pt>
-          <cx:pt idx="294">7</cx:pt>
-          <cx:pt idx="295">16</cx:pt>
-          <cx:pt idx="296">25</cx:pt>
-          <cx:pt idx="297">7</cx:pt>
-          <cx:pt idx="298">16</cx:pt>
-          <cx:pt idx="299">12</cx:pt>
-          <cx:pt idx="300">17</cx:pt>
-          <cx:pt idx="301">26</cx:pt>
-          <cx:pt idx="302">24</cx:pt>
-          <cx:pt idx="303">14</cx:pt>
-          <cx:pt idx="304">10</cx:pt>
-          <cx:pt idx="305">19</cx:pt>
-          <cx:pt idx="306">7</cx:pt>
-          <cx:pt idx="307">23</cx:pt>
-          <cx:pt idx="308">22</cx:pt>
-          <cx:pt idx="309">7</cx:pt>
-          <cx:pt idx="310">13</cx:pt>
-          <cx:pt idx="311">20</cx:pt>
-          <cx:pt idx="312">22</cx:pt>
-          <cx:pt idx="313">24</cx:pt>
-          <cx:pt idx="314">26</cx:pt>
-          <cx:pt idx="315">9</cx:pt>
-          <cx:pt idx="316">25</cx:pt>
-          <cx:pt idx="317">17</cx:pt>
-          <cx:pt idx="318">15</cx:pt>
-          <cx:pt idx="319">23</cx:pt>
-          <cx:pt idx="320">26</cx:pt>
-          <cx:pt idx="321">20</cx:pt>
-          <cx:pt idx="322">30</cx:pt>
-          <cx:pt idx="323">19</cx:pt>
-          <cx:pt idx="324">24</cx:pt>
-          <cx:pt idx="325">19</cx:pt>
-          <cx:pt idx="326">22</cx:pt>
-          <cx:pt idx="327">30</cx:pt>
-          <cx:pt idx="328">16</cx:pt>
-          <cx:pt idx="329">23</cx:pt>
-          <cx:pt idx="330">15</cx:pt>
-          <cx:pt idx="331">18</cx:pt>
-          <cx:pt idx="332">30</cx:pt>
-          <cx:pt idx="333">10</cx:pt>
-          <cx:pt idx="334">28</cx:pt>
-          <cx:pt idx="335">19</cx:pt>
-          <cx:pt idx="336">25</cx:pt>
-          <cx:pt idx="337">24</cx:pt>
-          <cx:pt idx="338">23</cx:pt>
-          <cx:pt idx="339">17</cx:pt>
-          <cx:pt idx="340">27</cx:pt>
-          <cx:pt idx="341">13</cx:pt>
-          <cx:pt idx="342">10</cx:pt>
-          <cx:pt idx="343">27</cx:pt>
-          <cx:pt idx="344">23</cx:pt>
-          <cx:pt idx="345">12</cx:pt>
-          <cx:pt idx="346">8</cx:pt>
-          <cx:pt idx="347">12</cx:pt>
-          <cx:pt idx="348">18</cx:pt>
-          <cx:pt idx="349">12</cx:pt>
-          <cx:pt idx="350">8</cx:pt>
-          <cx:pt idx="351">18</cx:pt>
-          <cx:pt idx="352">14</cx:pt>
-          <cx:pt idx="353">15</cx:pt>
-          <cx:pt idx="354">25</cx:pt>
-          <cx:pt idx="355">16</cx:pt>
-          <cx:pt idx="356">24</cx:pt>
-          <cx:pt idx="357">18</cx:pt>
-          <cx:pt idx="358">14</cx:pt>
-          <cx:pt idx="359">7</cx:pt>
-          <cx:pt idx="360">11</cx:pt>
-          <cx:pt idx="361">29</cx:pt>
-          <cx:pt idx="362">12</cx:pt>
-          <cx:pt idx="363">27</cx:pt>
-          <cx:pt idx="364">26</cx:pt>
-          <cx:pt idx="365">15</cx:pt>
-          <cx:pt idx="366">15</cx:pt>
-          <cx:pt idx="367">17</cx:pt>
-          <cx:pt idx="368">12</cx:pt>
-          <cx:pt idx="369">28</cx:pt>
-          <cx:pt idx="370">22</cx:pt>
-          <cx:pt idx="371">27</cx:pt>
-          <cx:pt idx="372">29</cx:pt>
-          <cx:pt idx="373">26</cx:pt>
-          <cx:pt idx="374">29</cx:pt>
-          <cx:pt idx="375">12</cx:pt>
-          <cx:pt idx="376">18</cx:pt>
-          <cx:pt idx="377">11</cx:pt>
-          <cx:pt idx="378">18</cx:pt>
-          <cx:pt idx="379">22</cx:pt>
-          <cx:pt idx="380">23</cx:pt>
-          <cx:pt idx="381">15</cx:pt>
-          <cx:pt idx="382">27</cx:pt>
-          <cx:pt idx="383">18</cx:pt>
-          <cx:pt idx="384">27</cx:pt>
-          <cx:pt idx="385">7</cx:pt>
-          <cx:pt idx="386">26</cx:pt>
-          <cx:pt idx="387">19</cx:pt>
-          <cx:pt idx="388">18</cx:pt>
-          <cx:pt idx="389">21</cx:pt>
-          <cx:pt idx="390">26</cx:pt>
-          <cx:pt idx="391">19</cx:pt>
-          <cx:pt idx="392">17</cx:pt>
-          <cx:pt idx="393">9</cx:pt>
-          <cx:pt idx="394">21</cx:pt>
-          <cx:pt idx="395">29</cx:pt>
-          <cx:pt idx="396">9</cx:pt>
-          <cx:pt idx="397">21</cx:pt>
-          <cx:pt idx="398">19</cx:pt>
-          <cx:pt idx="399">12</cx:pt>
-          <cx:pt idx="400">30</cx:pt>
-          <cx:pt idx="401">11</cx:pt>
-          <cx:pt idx="402">11</cx:pt>
-          <cx:pt idx="403">15</cx:pt>
-          <cx:pt idx="404">28</cx:pt>
-          <cx:pt idx="405">22</cx:pt>
-          <cx:pt idx="406">9</cx:pt>
-          <cx:pt idx="407">16</cx:pt>
-          <cx:pt idx="408">19</cx:pt>
-          <cx:pt idx="409">29</cx:pt>
-          <cx:pt idx="410">26</cx:pt>
-          <cx:pt idx="411">16</cx:pt>
-          <cx:pt idx="412">9</cx:pt>
-          <cx:pt idx="413">23</cx:pt>
-          <cx:pt idx="414">17</cx:pt>
-          <cx:pt idx="415">10</cx:pt>
-          <cx:pt idx="416">23</cx:pt>
-          <cx:pt idx="417">25</cx:pt>
-          <cx:pt idx="418">21</cx:pt>
-          <cx:pt idx="419">12</cx:pt>
-          <cx:pt idx="420">28</cx:pt>
-          <cx:pt idx="421">26</cx:pt>
-          <cx:pt idx="422">11</cx:pt>
-          <cx:pt idx="423">25</cx:pt>
-          <cx:pt idx="424">19</cx:pt>
-          <cx:pt idx="425">7</cx:pt>
-          <cx:pt idx="426">20</cx:pt>
-          <cx:pt idx="427">20</cx:pt>
-          <cx:pt idx="428">25</cx:pt>
-          <cx:pt idx="429">29</cx:pt>
-          <cx:pt idx="430">24</cx:pt>
-          <cx:pt idx="431">7</cx:pt>
-          <cx:pt idx="432">26</cx:pt>
-          <cx:pt idx="433">29</cx:pt>
-          <cx:pt idx="434">18</cx:pt>
-          <cx:pt idx="435">13</cx:pt>
-          <cx:pt idx="436">22</cx:pt>
-          <cx:pt idx="437">7</cx:pt>
-          <cx:pt idx="438">24</cx:pt>
-          <cx:pt idx="439">7</cx:pt>
-          <cx:pt idx="440">20</cx:pt>
-          <cx:pt idx="441">13</cx:pt>
-          <cx:pt idx="442">30</cx:pt>
-          <cx:pt idx="443">7</cx:pt>
-          <cx:pt idx="444">13</cx:pt>
-          <cx:pt idx="445">24</cx:pt>
-          <cx:pt idx="446">29</cx:pt>
-          <cx:pt idx="447">16</cx:pt>
-          <cx:pt idx="448">19</cx:pt>
-          <cx:pt idx="449">16</cx:pt>
-          <cx:pt idx="450">15</cx:pt>
-          <cx:pt idx="451">7</cx:pt>
-          <cx:pt idx="452">26</cx:pt>
-          <cx:pt idx="453">29</cx:pt>
-          <cx:pt idx="454">15</cx:pt>
-          <cx:pt idx="455">10</cx:pt>
-          <cx:pt idx="456">9</cx:pt>
-          <cx:pt idx="457">14</cx:pt>
-          <cx:pt idx="458">30</cx:pt>
-          <cx:pt idx="459">15</cx:pt>
-          <cx:pt idx="460">27</cx:pt>
-          <cx:pt idx="461">20</cx:pt>
-          <cx:pt idx="462">15</cx:pt>
-          <cx:pt idx="463">18</cx:pt>
-          <cx:pt idx="464">12</cx:pt>
-          <cx:pt idx="465">13</cx:pt>
-          <cx:pt idx="466">10</cx:pt>
-          <cx:pt idx="467">7</cx:pt>
-          <cx:pt idx="468">19</cx:pt>
-          <cx:pt idx="469">18</cx:pt>
-          <cx:pt idx="470">9</cx:pt>
-          <cx:pt idx="471">20</cx:pt>
-          <cx:pt idx="472">19</cx:pt>
-          <cx:pt idx="473">27</cx:pt>
-          <cx:pt idx="474">7</cx:pt>
-          <cx:pt idx="475">10</cx:pt>
-          <cx:pt idx="476">12</cx:pt>
-          <cx:pt idx="477">7</cx:pt>
-          <cx:pt idx="478">8</cx:pt>
-          <cx:pt idx="479">20</cx:pt>
-          <cx:pt idx="480">24</cx:pt>
-          <cx:pt idx="481">27</cx:pt>
-          <cx:pt idx="482">29</cx:pt>
-          <cx:pt idx="483">30</cx:pt>
-          <cx:pt idx="484">9</cx:pt>
-          <cx:pt idx="485">17</cx:pt>
-          <cx:pt idx="486">28</cx:pt>
-          <cx:pt idx="487">20</cx:pt>
-          <cx:pt idx="488">7</cx:pt>
-          <cx:pt idx="489">7</cx:pt>
-          <cx:pt idx="490">21</cx:pt>
-          <cx:pt idx="491">17</cx:pt>
-          <cx:pt idx="492">10</cx:pt>
-          <cx:pt idx="493">13</cx:pt>
-          <cx:pt idx="494">20</cx:pt>
-          <cx:pt idx="495">21</cx:pt>
-          <cx:pt idx="496">24</cx:pt>
-          <cx:pt idx="497">14</cx:pt>
-          <cx:pt idx="498">18</cx:pt>
-        </cx:lvl>
-      </cx:numDim>
-    </cx:data>
-  </cx:chartData>
-  <cx:chart>
-    <cx:title pos="t" align="ctr" overlay="0">
-      <cx:tx>
-        <cx:txData>
-          <cx:v>Latency Measurement Results</cx:v>
-        </cx:txData>
-      </cx:tx>
-      <cx:txPr>
-        <a:bodyPr spcFirstLastPara="1" vertOverflow="ellipsis" horzOverflow="overflow" wrap="square" lIns="0" tIns="0" rIns="0" bIns="0" anchor="ctr" anchorCtr="1"/>
-        <a:lstStyle/>
-        <a:p>
-          <a:pPr algn="ctr" rtl="0">
-            <a:defRPr/>
-          </a:pPr>
-          <a:r>
-            <a:rPr lang="de-DE" sz="1862" b="0" i="0" u="none" strike="noStrike" baseline="0">
-              <a:solidFill>
-                <a:prstClr val="black">
-                  <a:lumMod val="65000"/>
-                  <a:lumOff val="35000"/>
-                </a:prstClr>
-              </a:solidFill>
-              <a:latin typeface="Calibri"/>
-            </a:rPr>
-            <a:t>Latency Measurement Results</a:t>
-          </a:r>
-        </a:p>
-      </cx:txPr>
-    </cx:title>
-    <cx:plotArea>
-      <cx:plotAreaRegion>
-        <cx:series layoutId="clusteredColumn" uniqueId="{2C658C38-F264-4F45-B167-9E1D8BAEBA76}">
-          <cx:tx>
-            <cx:txData>
-              <cx:f>Tabelle1!$A$1</cx:f>
-              <cx:v>Latencies</cx:v>
-            </cx:txData>
-          </cx:tx>
-          <cx:dataId val="0"/>
-          <cx:layoutPr>
-            <cx:binning intervalClosed="r"/>
-          </cx:layoutPr>
-        </cx:series>
-      </cx:plotAreaRegion>
-      <cx:axis id="0">
-        <cx:catScaling gapWidth="0.0500000007"/>
-        <cx:tickLabels/>
-      </cx:axis>
-      <cx:axis id="1">
-        <cx:valScaling/>
-        <cx:majorGridlines/>
-        <cx:tickLabels/>
-      </cx:axis>
-    </cx:plotArea>
-  </cx:chart>
-</cx:chartSpace>
-</file>
-
-<file path=ppt/charts/colors1.xml><?xml version="1.0" encoding="utf-8"?>
-<cs:colorStyle xmlns:cs="http://schemas.microsoft.com/office/drawing/2012/chartStyle" xmlns:a="http://schemas.openxmlformats.org/drawingml/2006/main" meth="cycle" id="11">
-  <a:schemeClr val="accent1"/>
-  <a:schemeClr val="accent3"/>
-  <a:schemeClr val="accent5"/>
-  <cs:variation/>
-  <cs:variation>
-    <a:lumMod val="60000"/>
-  </cs:variation>
-  <cs:variation>
-    <a:lumMod val="80000"/>
-    <a:lumOff val="20000"/>
-  </cs:variation>
-  <cs:variation>
-    <a:lumMod val="80000"/>
-  </cs:variation>
-  <cs:variation>
-    <a:lumMod val="60000"/>
-    <a:lumOff val="40000"/>
-  </cs:variation>
-  <cs:variation>
-    <a:lumMod val="50000"/>
-  </cs:variation>
-  <cs:variation>
-    <a:lumMod val="70000"/>
-    <a:lumOff val="30000"/>
-  </cs:variation>
-  <cs:variation>
-    <a:lumMod val="70000"/>
-  </cs:variation>
-  <cs:variation>
-    <a:lumMod val="50000"/>
-    <a:lumOff val="50000"/>
-  </cs:variation>
-</cs:colorStyle>
-</file>
-
-<file path=ppt/charts/style1.xml><?xml version="1.0" encoding="utf-8"?>
-<cs:chartStyle xmlns:cs="http://schemas.microsoft.com/office/drawing/2012/chartStyle" xmlns:a="http://schemas.openxmlformats.org/drawingml/2006/main" id="366">
-  <cs:axisTitle>
-    <cs:lnRef idx="0"/>
-    <cs:fillRef idx="0"/>
-    <cs:effectRef idx="0"/>
-    <cs:fontRef idx="minor">
-      <a:schemeClr val="tx1">
-        <a:lumMod val="65000"/>
-        <a:lumOff val="35000"/>
-      </a:schemeClr>
-    </cs:fontRef>
-    <cs:defRPr sz="1197"/>
-  </cs:axisTitle>
-  <cs:categoryAxis>
-    <cs:lnRef idx="0"/>
-    <cs:fillRef idx="0"/>
-    <cs:effectRef idx="0"/>
-    <cs:fontRef idx="minor">
-      <a:schemeClr val="tx1">
-        <a:lumMod val="65000"/>
-        <a:lumOff val="35000"/>
-      </a:schemeClr>
-    </cs:fontRef>
-    <cs:spPr>
-      <a:ln w="9525" cap="flat" cmpd="sng" algn="ctr">
-        <a:solidFill>
-          <a:schemeClr val="tx1">
-            <a:lumMod val="15000"/>
-            <a:lumOff val="85000"/>
-          </a:schemeClr>
-        </a:solidFill>
-        <a:round/>
-      </a:ln>
-    </cs:spPr>
-    <cs:defRPr sz="1197"/>
-  </cs:categoryAxis>
-  <cs:chartArea mods="allowNoFillOverride allowNoLineOverride">
-    <cs:lnRef idx="0"/>
-    <cs:fillRef idx="0"/>
-    <cs:effectRef idx="0"/>
-    <cs:fontRef idx="minor">
-      <a:schemeClr val="tx1"/>
-    </cs:fontRef>
-    <cs:spPr>
-      <a:solidFill>
-        <a:schemeClr val="bg1"/>
-      </a:solidFill>
-      <a:ln w="9525" cap="flat" cmpd="sng" algn="ctr">
-        <a:solidFill>
-          <a:schemeClr val="tx1">
-            <a:lumMod val="15000"/>
-            <a:lumOff val="85000"/>
-          </a:schemeClr>
-        </a:solidFill>
-        <a:round/>
-      </a:ln>
-    </cs:spPr>
-    <cs:defRPr sz="1330"/>
-  </cs:chartArea>
-  <cs:dataLabel>
-    <cs:lnRef idx="0"/>
-    <cs:fillRef idx="0"/>
-    <cs:effectRef idx="0"/>
-    <cs:fontRef idx="minor">
-      <a:schemeClr val="tx1">
-        <a:lumMod val="65000"/>
-        <a:lumOff val="35000"/>
-      </a:schemeClr>
-    </cs:fontRef>
-    <cs:defRPr sz="1197"/>
-  </cs:dataLabel>
-  <cs:dataLabelCallout>
-    <cs:lnRef idx="0"/>
-    <cs:fillRef idx="0"/>
-    <cs:effectRef idx="0"/>
-    <cs:fontRef idx="minor">
-      <a:schemeClr val="dk1">
-        <a:lumMod val="65000"/>
-        <a:lumOff val="35000"/>
-      </a:schemeClr>
-    </cs:fontRef>
-    <cs:spPr>
-      <a:solidFill>
-        <a:schemeClr val="lt1"/>
-      </a:solidFill>
-      <a:ln>
-        <a:solidFill>
-          <a:schemeClr val="dk1">
-            <a:lumMod val="25000"/>
-            <a:lumOff val="75000"/>
-          </a:schemeClr>
-        </a:solidFill>
-      </a:ln>
-    </cs:spPr>
-    <cs:defRPr sz="1197"/>
-    <cs:bodyPr rot="0" spcFirstLastPara="1" vertOverflow="clip" horzOverflow="clip" vert="horz" wrap="square" lIns="36576" tIns="18288" rIns="36576" bIns="18288" anchor="ctr" anchorCtr="1">
-      <a:spAutoFit/>
-    </cs:bodyPr>
-  </cs:dataLabelCallout>
-  <cs:dataPoint>
-    <cs:lnRef idx="0"/>
-    <cs:fillRef idx="0">
-      <cs:styleClr val="auto"/>
-    </cs:fillRef>
-    <cs:effectRef idx="0"/>
-    <cs:fontRef idx="minor">
-      <a:schemeClr val="tx1"/>
-    </cs:fontRef>
-    <cs:spPr>
-      <a:solidFill>
-        <a:schemeClr val="phClr"/>
-      </a:solidFill>
-    </cs:spPr>
-  </cs:dataPoint>
-  <cs:dataPoint3D>
-    <cs:lnRef idx="0"/>
-    <cs:fillRef idx="0">
-      <cs:styleClr val="auto"/>
-    </cs:fillRef>
-    <cs:effectRef idx="0"/>
-    <cs:fontRef idx="minor">
-      <a:schemeClr val="tx1"/>
-    </cs:fontRef>
-    <cs:spPr>
-      <a:solidFill>
-        <a:schemeClr val="phClr"/>
-      </a:solidFill>
-    </cs:spPr>
-  </cs:dataPoint3D>
-  <cs:dataPointLine>
-    <cs:lnRef idx="0">
-      <cs:styleClr val="auto"/>
-    </cs:lnRef>
-    <cs:fillRef idx="0"/>
-    <cs:effectRef idx="0"/>
-    <cs:fontRef idx="minor">
-      <a:schemeClr val="tx1"/>
-    </cs:fontRef>
-    <cs:spPr>
-      <a:ln w="28575" cap="rnd">
-        <a:solidFill>
-          <a:schemeClr val="phClr"/>
-        </a:solidFill>
-        <a:round/>
-      </a:ln>
-    </cs:spPr>
-  </cs:dataPointLine>
-  <cs:dataPointMarker>
-    <cs:lnRef idx="0"/>
-    <cs:fillRef idx="0">
-      <cs:styleClr val="auto"/>
-    </cs:fillRef>
-    <cs:effectRef idx="0"/>
-    <cs:fontRef idx="minor">
-      <a:schemeClr val="tx1"/>
-    </cs:fontRef>
-    <cs:spPr>
-      <a:solidFill>
-        <a:schemeClr val="phClr"/>
-      </a:solidFill>
-      <a:ln w="9525">
-        <a:solidFill>
-          <a:schemeClr val="lt1"/>
-        </a:solidFill>
-      </a:ln>
-    </cs:spPr>
-  </cs:dataPointMarker>
-  <cs:dataPointMarkerLayout symbol="circle" size="5"/>
-  <cs:dataPointWireframe>
-    <cs:lnRef idx="0">
-      <cs:styleClr val="auto"/>
-    </cs:lnRef>
-    <cs:fillRef idx="0"/>
-    <cs:effectRef idx="0"/>
-    <cs:fontRef idx="minor">
-      <a:schemeClr val="tx1"/>
-    </cs:fontRef>
-    <cs:spPr>
-      <a:ln w="28575" cap="rnd">
-        <a:solidFill>
-          <a:schemeClr val="phClr"/>
-        </a:solidFill>
-        <a:round/>
-      </a:ln>
-    </cs:spPr>
-  </cs:dataPointWireframe>
-  <cs:dataTable>
-    <cs:lnRef idx="0"/>
-    <cs:fillRef idx="0"/>
-    <cs:effectRef idx="0"/>
-    <cs:fontRef idx="minor">
-      <a:schemeClr val="tx1">
-        <a:lumMod val="65000"/>
-        <a:lumOff val="35000"/>
-      </a:schemeClr>
-    </cs:fontRef>
-    <cs:spPr>
-      <a:ln w="9525">
-        <a:solidFill>
-          <a:schemeClr val="tx1">
-            <a:lumMod val="15000"/>
-            <a:lumOff val="85000"/>
-          </a:schemeClr>
-        </a:solidFill>
-      </a:ln>
-    </cs:spPr>
-    <cs:defRPr sz="1197"/>
-  </cs:dataTable>
-  <cs:downBar>
-    <cs:lnRef idx="0"/>
-    <cs:fillRef idx="0"/>
-    <cs:effectRef idx="0"/>
-    <cs:fontRef idx="minor">
-      <a:schemeClr val="dk1"/>
-    </cs:fontRef>
-    <cs:spPr>
-      <a:solidFill>
-        <a:schemeClr val="dk1">
-          <a:lumMod val="65000"/>
-          <a:lumOff val="35000"/>
-        </a:schemeClr>
-      </a:solidFill>
-      <a:ln w="9525">
-        <a:solidFill>
-          <a:schemeClr val="tx1">
-            <a:lumMod val="65000"/>
-            <a:lumOff val="35000"/>
-          </a:schemeClr>
-        </a:solidFill>
-      </a:ln>
-    </cs:spPr>
-  </cs:downBar>
-  <cs:dropLine>
-    <cs:lnRef idx="0"/>
-    <cs:fillRef idx="0"/>
-    <cs:effectRef idx="0"/>
-    <cs:fontRef idx="minor">
-      <a:schemeClr val="tx1"/>
-    </cs:fontRef>
-    <cs:spPr>
-      <a:ln w="9525" cap="flat" cmpd="sng" algn="ctr">
-        <a:solidFill>
-          <a:schemeClr val="tx1">
-            <a:lumMod val="35000"/>
-            <a:lumOff val="65000"/>
-          </a:schemeClr>
-        </a:solidFill>
-        <a:round/>
-      </a:ln>
-    </cs:spPr>
-  </cs:dropLine>
-  <cs:errorBar>
-    <cs:lnRef idx="0"/>
-    <cs:fillRef idx="0"/>
-    <cs:effectRef idx="0"/>
-    <cs:fontRef idx="minor">
-      <a:schemeClr val="tx1"/>
-    </cs:fontRef>
-    <cs:spPr>
-      <a:ln w="9525" cap="flat" cmpd="sng" algn="ctr">
-        <a:solidFill>
-          <a:schemeClr val="tx1">
-            <a:lumMod val="65000"/>
-            <a:lumOff val="35000"/>
-          </a:schemeClr>
-        </a:solidFill>
-        <a:round/>
-      </a:ln>
-    </cs:spPr>
-  </cs:errorBar>
-  <cs:floor>
-    <cs:lnRef idx="0"/>
-    <cs:fillRef idx="0"/>
-    <cs:effectRef idx="0"/>
-    <cs:fontRef idx="minor">
-      <a:schemeClr val="tx1"/>
-    </cs:fontRef>
-  </cs:floor>
-  <cs:gridlineMajor>
-    <cs:lnRef idx="0"/>
-    <cs:fillRef idx="0"/>
-    <cs:effectRef idx="0"/>
-    <cs:fontRef idx="minor">
-      <a:schemeClr val="tx1"/>
-    </cs:fontRef>
-    <cs:spPr>
-      <a:ln w="9525" cap="flat" cmpd="sng" algn="ctr">
-        <a:solidFill>
-          <a:schemeClr val="tx1">
-            <a:lumMod val="15000"/>
-            <a:lumOff val="85000"/>
-          </a:schemeClr>
-        </a:solidFill>
-        <a:round/>
-      </a:ln>
-    </cs:spPr>
-  </cs:gridlineMajor>
-  <cs:gridlineMinor>
-    <cs:lnRef idx="0"/>
-    <cs:fillRef idx="0"/>
-    <cs:effectRef idx="0"/>
-    <cs:fontRef idx="minor">
-      <a:schemeClr val="tx1"/>
-    </cs:fontRef>
-    <cs:spPr>
-      <a:ln w="9525" cap="flat" cmpd="sng" algn="ctr">
-        <a:solidFill>
-          <a:schemeClr val="tx1">
-            <a:lumMod val="15000"/>
-            <a:lumOff val="85000"/>
-          </a:schemeClr>
-        </a:solidFill>
-        <a:round/>
-      </a:ln>
-    </cs:spPr>
-  </cs:gridlineMinor>
-  <cs:hiLoLine>
-    <cs:lnRef idx="0"/>
-    <cs:fillRef idx="0"/>
-    <cs:effectRef idx="0"/>
-    <cs:fontRef idx="minor">
-      <a:schemeClr val="tx1"/>
-    </cs:fontRef>
-    <cs:spPr>
-      <a:ln w="9525" cap="flat" cmpd="sng" algn="ctr">
-        <a:solidFill>
-          <a:schemeClr val="tx1">
-            <a:lumMod val="75000"/>
-            <a:lumOff val="25000"/>
-          </a:schemeClr>
-        </a:solidFill>
-        <a:round/>
-      </a:ln>
-    </cs:spPr>
-  </cs:hiLoLine>
-  <cs:leaderLine>
-    <cs:lnRef idx="0"/>
-    <cs:fillRef idx="0"/>
-    <cs:effectRef idx="0"/>
-    <cs:fontRef idx="minor">
-      <a:schemeClr val="tx1"/>
-    </cs:fontRef>
-    <cs:spPr>
-      <a:ln w="9525" cap="flat" cmpd="sng" algn="ctr">
-        <a:solidFill>
-          <a:schemeClr val="tx1">
-            <a:lumMod val="35000"/>
-            <a:lumOff val="65000"/>
-          </a:schemeClr>
-        </a:solidFill>
-        <a:round/>
-      </a:ln>
-    </cs:spPr>
-  </cs:leaderLine>
-  <cs:legend>
-    <cs:lnRef idx="0"/>
-    <cs:fillRef idx="0"/>
-    <cs:effectRef idx="0"/>
-    <cs:fontRef idx="minor">
-      <a:schemeClr val="tx1">
-        <a:lumMod val="65000"/>
-        <a:lumOff val="35000"/>
-      </a:schemeClr>
-    </cs:fontRef>
-    <cs:defRPr sz="1197"/>
-  </cs:legend>
-  <cs:plotArea mods="allowNoFillOverride allowNoLineOverride">
-    <cs:lnRef idx="0"/>
-    <cs:fillRef idx="0"/>
-    <cs:effectRef idx="0"/>
-    <cs:fontRef idx="minor">
-      <a:schemeClr val="tx1"/>
-    </cs:fontRef>
-  </cs:plotArea>
-  <cs:plotArea3D mods="allowNoFillOverride allowNoLineOverride">
-    <cs:lnRef idx="0"/>
-    <cs:fillRef idx="0"/>
-    <cs:effectRef idx="0"/>
-    <cs:fontRef idx="minor">
-      <a:schemeClr val="tx1"/>
-    </cs:fontRef>
-  </cs:plotArea3D>
-  <cs:seriesAxis>
-    <cs:lnRef idx="0"/>
-    <cs:fillRef idx="0"/>
-    <cs:effectRef idx="0"/>
-    <cs:fontRef idx="minor">
-      <a:schemeClr val="tx1">
-        <a:lumMod val="65000"/>
-        <a:lumOff val="35000"/>
-      </a:schemeClr>
-    </cs:fontRef>
-    <cs:spPr>
-      <a:ln w="9525" cap="flat" cmpd="sng" algn="ctr">
-        <a:solidFill>
-          <a:schemeClr val="tx1">
-            <a:lumMod val="15000"/>
-            <a:lumOff val="85000"/>
-          </a:schemeClr>
-        </a:solidFill>
-        <a:round/>
-      </a:ln>
-    </cs:spPr>
-    <cs:defRPr sz="1197"/>
-  </cs:seriesAxis>
-  <cs:seriesLine>
-    <cs:lnRef idx="0"/>
-    <cs:fillRef idx="0"/>
-    <cs:effectRef idx="0"/>
-    <cs:fontRef idx="minor">
-      <a:schemeClr val="tx1"/>
-    </cs:fontRef>
-    <cs:spPr>
-      <a:ln w="9525" cap="flat">
-        <a:solidFill>
-          <a:srgbClr val="D9D9D9"/>
-        </a:solidFill>
-        <a:round/>
-      </a:ln>
-    </cs:spPr>
-  </cs:seriesLine>
-  <cs:title>
-    <cs:lnRef idx="0"/>
-    <cs:fillRef idx="0"/>
-    <cs:effectRef idx="0"/>
-    <cs:fontRef idx="minor">
-      <a:schemeClr val="tx1">
-        <a:lumMod val="65000"/>
-        <a:lumOff val="35000"/>
-      </a:schemeClr>
-    </cs:fontRef>
-    <cs:defRPr sz="1862"/>
-  </cs:title>
-  <cs:trendline>
-    <cs:lnRef idx="0">
-      <cs:styleClr val="auto"/>
-    </cs:lnRef>
-    <cs:fillRef idx="0"/>
-    <cs:effectRef idx="0"/>
-    <cs:fontRef idx="minor">
-      <a:schemeClr val="tx1"/>
-    </cs:fontRef>
-    <cs:spPr>
-      <a:ln w="19050" cap="rnd">
-        <a:solidFill>
-          <a:schemeClr val="phClr"/>
-        </a:solidFill>
-        <a:prstDash val="sysDash"/>
-      </a:ln>
-    </cs:spPr>
-  </cs:trendline>
-  <cs:trendlineLabel>
-    <cs:lnRef idx="0"/>
-    <cs:fillRef idx="0"/>
-    <cs:effectRef idx="0"/>
-    <cs:fontRef idx="minor">
-      <a:schemeClr val="tx1">
-        <a:lumMod val="65000"/>
-        <a:lumOff val="35000"/>
-      </a:schemeClr>
-    </cs:fontRef>
-    <cs:defRPr sz="1197"/>
-  </cs:trendlineLabel>
-  <cs:upBar>
-    <cs:lnRef idx="0"/>
-    <cs:fillRef idx="0"/>
-    <cs:effectRef idx="0"/>
-    <cs:fontRef idx="minor">
-      <a:schemeClr val="dk1"/>
-    </cs:fontRef>
-    <cs:spPr>
-      <a:solidFill>
-        <a:schemeClr val="lt1"/>
-      </a:solidFill>
-      <a:ln w="9525">
-        <a:solidFill>
-          <a:schemeClr val="tx1">
-            <a:lumMod val="15000"/>
-            <a:lumOff val="85000"/>
-          </a:schemeClr>
-        </a:solidFill>
-      </a:ln>
-    </cs:spPr>
-  </cs:upBar>
-  <cs:valueAxis>
-    <cs:lnRef idx="0"/>
-    <cs:fillRef idx="0"/>
-    <cs:effectRef idx="0"/>
-    <cs:fontRef idx="minor">
-      <a:schemeClr val="tx1">
-        <a:lumMod val="65000"/>
-        <a:lumOff val="35000"/>
-      </a:schemeClr>
-    </cs:fontRef>
-    <cs:defRPr sz="1197"/>
-  </cs:valueAxis>
-  <cs:wall>
-    <cs:lnRef idx="0"/>
-    <cs:fillRef idx="0"/>
-    <cs:effectRef idx="0"/>
-    <cs:fontRef idx="minor">
-      <a:schemeClr val="tx1"/>
-    </cs:fontRef>
-  </cs:wall>
-</cs:chartStyle>
-</file>
-
 <file path=ppt/handoutMasters/handoutMaster1.xml><?xml version="1.0" encoding="utf-8"?>
 <p:handoutMaster xmlns:a="http://schemas.openxmlformats.org/drawingml/2006/main" xmlns:r="http://schemas.openxmlformats.org/officeDocument/2006/relationships" xmlns:p="http://schemas.openxmlformats.org/presentationml/2006/main">
   <p:cSld>
@@ -1387,7 +277,7 @@
             <a:fld id="{350B7780-B50B-474C-85C6-0B4009B6F014}" type="datetimeFigureOut">
               <a:rPr lang="de-DE" smtClean="0"/>
               <a:pPr/>
-              <a:t>04.06.2019</a:t>
+              <a:t>05.06.2019</a:t>
             </a:fld>
             <a:endParaRPr lang="de-DE"/>
           </a:p>
@@ -1549,7 +439,7 @@
             <a:fld id="{19FFB102-D3AF-431C-A902-ADE5B2A48608}" type="datetimeFigureOut">
               <a:rPr lang="de-DE" smtClean="0"/>
               <a:pPr/>
-              <a:t>04.06.2019</a:t>
+              <a:t>05.06.2019</a:t>
             </a:fld>
             <a:endParaRPr lang="de-DE"/>
           </a:p>
@@ -1969,7 +859,7 @@
             <a:fld id="{C7C1E745-E753-4EB9-8485-6560CD204B37}" type="slidenum">
               <a:rPr lang="de-DE" smtClean="0"/>
               <a:pPr/>
-              <a:t>11</a:t>
+              <a:t>13</a:t>
             </a:fld>
             <a:endParaRPr lang="de-DE"/>
           </a:p>
@@ -3890,73 +2780,6 @@
           </a:p>
         </p:txBody>
       </p:sp>
-      <mc:AlternateContent xmlns:mc="http://schemas.openxmlformats.org/markup-compatibility/2006">
-        <mc:Choice xmlns:cx1="http://schemas.microsoft.com/office/drawing/2015/9/8/chartex" Requires="cx1">
-          <p:graphicFrame>
-            <p:nvGraphicFramePr>
-              <p:cNvPr id="7" name="Inhaltsplatzhalter 6">
-                <a:extLst>
-                  <a:ext uri="{FF2B5EF4-FFF2-40B4-BE49-F238E27FC236}">
-                    <a16:creationId xmlns:a16="http://schemas.microsoft.com/office/drawing/2014/main" id="{FB82D0BE-F210-4DBF-A07B-AD0336D6F630}"/>
-                  </a:ext>
-                </a:extLst>
-              </p:cNvPr>
-              <p:cNvGraphicFramePr>
-                <a:graphicFrameLocks noGrp="1"/>
-              </p:cNvGraphicFramePr>
-              <p:nvPr>
-                <p:ph sz="half" idx="1"/>
-                <p:extLst>
-                  <p:ext uri="{D42A27DB-BD31-4B8C-83A1-F6EECF244321}">
-                    <p14:modId xmlns:p14="http://schemas.microsoft.com/office/powerpoint/2010/main" val="3023386812"/>
-                  </p:ext>
-                </p:extLst>
-              </p:nvPr>
-            </p:nvGraphicFramePr>
-            <p:xfrm>
-              <a:off x="1331913" y="2339975"/>
-              <a:ext cx="7200900" cy="3960813"/>
-            </p:xfrm>
-            <a:graphic>
-              <a:graphicData uri="http://schemas.microsoft.com/office/drawing/2014/chartex">
-                <cx:chart xmlns:cx="http://schemas.microsoft.com/office/drawing/2014/chartex" xmlns:r="http://schemas.openxmlformats.org/officeDocument/2006/relationships" r:id="rId2"/>
-              </a:graphicData>
-            </a:graphic>
-          </p:graphicFrame>
-        </mc:Choice>
-        <mc:Fallback>
-          <p:pic>
-            <p:nvPicPr>
-              <p:cNvPr id="7" name="Inhaltsplatzhalter 6">
-                <a:extLst>
-                  <a:ext uri="{FF2B5EF4-FFF2-40B4-BE49-F238E27FC236}">
-                    <a16:creationId xmlns:a16="http://schemas.microsoft.com/office/drawing/2014/main" id="{FB82D0BE-F210-4DBF-A07B-AD0336D6F630}"/>
-                  </a:ext>
-                </a:extLst>
-              </p:cNvPr>
-              <p:cNvPicPr>
-                <a:picLocks noGrp="1" noRot="1" noChangeAspect="1" noMove="1" noResize="1" noEditPoints="1" noAdjustHandles="1" noChangeArrowheads="1" noChangeShapeType="1"/>
-              </p:cNvPicPr>
-              <p:nvPr/>
-            </p:nvPicPr>
-            <p:blipFill>
-              <a:blip r:embed="rId3"/>
-              <a:stretch>
-                <a:fillRect/>
-              </a:stretch>
-            </p:blipFill>
-            <p:spPr>
-              <a:xfrm>
-                <a:off x="1331913" y="2339975"/>
-                <a:ext cx="7200900" cy="3960813"/>
-              </a:xfrm>
-              <a:prstGeom prst="rect">
-                <a:avLst/>
-              </a:prstGeom>
-            </p:spPr>
-          </p:pic>
-        </mc:Fallback>
-      </mc:AlternateContent>
       <p:sp>
         <p:nvSpPr>
           <p:cNvPr id="4" name="Foliennummernplatzhalter 3">
@@ -3986,10 +2809,45 @@
           </a:p>
         </p:txBody>
       </p:sp>
+      <p:pic>
+        <p:nvPicPr>
+          <p:cNvPr id="8" name="Inhaltsplatzhalter 7" descr="Ein Bild, das drinnen, Person enthält.&#10;&#10;Automatisch generierte Beschreibung">
+            <a:extLst>
+              <a:ext uri="{FF2B5EF4-FFF2-40B4-BE49-F238E27FC236}">
+                <a16:creationId xmlns:a16="http://schemas.microsoft.com/office/drawing/2014/main" id="{DB77F5C4-30FC-4BC4-8615-C60749664960}"/>
+              </a:ext>
+            </a:extLst>
+          </p:cNvPr>
+          <p:cNvPicPr>
+            <a:picLocks noGrp="1" noChangeAspect="1"/>
+          </p:cNvPicPr>
+          <p:nvPr>
+            <p:ph sz="half" idx="1"/>
+          </p:nvPr>
+        </p:nvPicPr>
+        <p:blipFill>
+          <a:blip r:embed="rId2" cstate="print">
+            <a:extLst>
+              <a:ext uri="{28A0092B-C50C-407E-A947-70E740481C1C}">
+                <a14:useLocalDpi xmlns:a14="http://schemas.microsoft.com/office/drawing/2010/main" val="0"/>
+              </a:ext>
+            </a:extLst>
+          </a:blip>
+          <a:stretch>
+            <a:fillRect/>
+          </a:stretch>
+        </p:blipFill>
+        <p:spPr>
+          <a:xfrm>
+            <a:off x="2293471" y="2339975"/>
+            <a:ext cx="5277783" cy="3960813"/>
+          </a:xfrm>
+        </p:spPr>
+      </p:pic>
     </p:spTree>
     <p:extLst>
       <p:ext uri="{BB962C8B-B14F-4D97-AF65-F5344CB8AC3E}">
-        <p14:creationId xmlns:p14="http://schemas.microsoft.com/office/powerpoint/2010/main" val="2203767771"/>
+        <p14:creationId xmlns:p14="http://schemas.microsoft.com/office/powerpoint/2010/main" val="459481497"/>
       </p:ext>
     </p:extLst>
   </p:cSld>
@@ -4021,7 +2879,7 @@
           <p:cNvPr id="2" name="Titel 1">
             <a:extLst>
               <a:ext uri="{FF2B5EF4-FFF2-40B4-BE49-F238E27FC236}">
-                <a16:creationId xmlns:a16="http://schemas.microsoft.com/office/drawing/2014/main" id="{2A42FEB0-5048-4439-BF38-0C19C3532315}"/>
+                <a16:creationId xmlns:a16="http://schemas.microsoft.com/office/drawing/2014/main" id="{5FE68724-AEE1-410A-A646-EBF5BFF66344}"/>
               </a:ext>
             </a:extLst>
           </p:cNvPr>
@@ -4039,9 +2897,9 @@
           <a:p>
             <a:r>
               <a:rPr lang="de-DE"/>
-              <a:t>Next Steps</a:t>
+              <a:t>Latency Test Framework</a:t>
             </a:r>
-            <a:endParaRPr lang="de-DE" dirty="0"/>
+            <a:endParaRPr lang="en-US"/>
           </a:p>
         </p:txBody>
       </p:sp>
@@ -4050,7 +2908,7 @@
           <p:cNvPr id="4" name="Foliennummernplatzhalter 3">
             <a:extLst>
               <a:ext uri="{FF2B5EF4-FFF2-40B4-BE49-F238E27FC236}">
-                <a16:creationId xmlns:a16="http://schemas.microsoft.com/office/drawing/2014/main" id="{4FCFF55B-CB17-417D-97C3-58B0E9907247}"/>
+                <a16:creationId xmlns:a16="http://schemas.microsoft.com/office/drawing/2014/main" id="{5DFDBFB6-BAC4-41BB-87E0-7CD02CAD6D17}"/>
               </a:ext>
             </a:extLst>
           </p:cNvPr>
@@ -4074,70 +2932,45 @@
           </a:p>
         </p:txBody>
       </p:sp>
-      <p:sp>
-        <p:nvSpPr>
-          <p:cNvPr id="3" name="Inhaltsplatzhalter 2">
+      <p:pic>
+        <p:nvPicPr>
+          <p:cNvPr id="8" name="Inhaltsplatzhalter 7" descr="Ein Bild, das klein, Kind, Boden enthält.&#10;&#10;Automatisch generierte Beschreibung">
             <a:extLst>
               <a:ext uri="{FF2B5EF4-FFF2-40B4-BE49-F238E27FC236}">
-                <a16:creationId xmlns:a16="http://schemas.microsoft.com/office/drawing/2014/main" id="{7181ACB9-754C-4256-8915-87AB78FCEF1F}"/>
+                <a16:creationId xmlns:a16="http://schemas.microsoft.com/office/drawing/2014/main" id="{3B0EE6D7-CCFE-431B-B4AD-61D96247EC0E}"/>
               </a:ext>
             </a:extLst>
           </p:cNvPr>
-          <p:cNvSpPr>
-            <a:spLocks noGrp="1"/>
-          </p:cNvSpPr>
+          <p:cNvPicPr>
+            <a:picLocks noGrp="1" noChangeAspect="1"/>
+          </p:cNvPicPr>
           <p:nvPr>
             <p:ph sz="half" idx="1"/>
           </p:nvPr>
-        </p:nvSpPr>
-        <p:spPr/>
-        <p:txBody>
-          <a:bodyPr/>
-          <a:lstStyle/>
-          <a:p>
-            <a:pPr>
-              <a:buFont typeface="Arial" panose="020B0604020202020204" pitchFamily="34" charset="0"/>
-              <a:buChar char="•"/>
-            </a:pPr>
-            <a:endParaRPr lang="de-DE" dirty="0"/>
-          </a:p>
-          <a:p>
-            <a:pPr>
-              <a:buFont typeface="Arial" panose="020B0604020202020204" pitchFamily="34" charset="0"/>
-              <a:buChar char="•"/>
-            </a:pPr>
-            <a:r>
-              <a:rPr lang="de-DE"/>
-              <a:t>Motion </a:t>
-            </a:r>
-            <a:r>
-              <a:rPr lang="de-DE" dirty="0"/>
-              <a:t>data acquisition framework</a:t>
-            </a:r>
-          </a:p>
-          <a:p>
-            <a:pPr>
-              <a:buFont typeface="Arial" panose="020B0604020202020204" pitchFamily="34" charset="0"/>
-              <a:buChar char="•"/>
-            </a:pPr>
-            <a:endParaRPr lang="de-DE" dirty="0"/>
-          </a:p>
-          <a:p>
-            <a:pPr>
-              <a:buFont typeface="Arial" panose="020B0604020202020204" pitchFamily="34" charset="0"/>
-              <a:buChar char="•"/>
-            </a:pPr>
-            <a:r>
-              <a:rPr lang="en-US" dirty="0"/>
-              <a:t>Gathering test data for NN training</a:t>
-            </a:r>
-          </a:p>
-        </p:txBody>
-      </p:sp>
+        </p:nvPicPr>
+        <p:blipFill>
+          <a:blip r:embed="rId2" cstate="print">
+            <a:extLst>
+              <a:ext uri="{28A0092B-C50C-407E-A947-70E740481C1C}">
+                <a14:useLocalDpi xmlns:a14="http://schemas.microsoft.com/office/drawing/2010/main" val="0"/>
+              </a:ext>
+            </a:extLst>
+          </a:blip>
+          <a:stretch>
+            <a:fillRect/>
+          </a:stretch>
+        </p:blipFill>
+        <p:spPr>
+          <a:xfrm>
+            <a:off x="3446129" y="2339975"/>
+            <a:ext cx="2972467" cy="3960813"/>
+          </a:xfrm>
+        </p:spPr>
+      </p:pic>
     </p:spTree>
     <p:extLst>
       <p:ext uri="{BB962C8B-B14F-4D97-AF65-F5344CB8AC3E}">
-        <p14:creationId xmlns:p14="http://schemas.microsoft.com/office/powerpoint/2010/main" val="3341079957"/>
+        <p14:creationId xmlns:p14="http://schemas.microsoft.com/office/powerpoint/2010/main" val="1695967781"/>
       </p:ext>
     </p:extLst>
   </p:cSld>
@@ -4166,6 +2999,277 @@
       </p:grpSpPr>
       <p:sp>
         <p:nvSpPr>
+          <p:cNvPr id="2" name="Titel 1">
+            <a:extLst>
+              <a:ext uri="{FF2B5EF4-FFF2-40B4-BE49-F238E27FC236}">
+                <a16:creationId xmlns:a16="http://schemas.microsoft.com/office/drawing/2014/main" id="{5FE68724-AEE1-410A-A646-EBF5BFF66344}"/>
+              </a:ext>
+            </a:extLst>
+          </p:cNvPr>
+          <p:cNvSpPr>
+            <a:spLocks noGrp="1"/>
+          </p:cNvSpPr>
+          <p:nvPr>
+            <p:ph type="title"/>
+          </p:nvPr>
+        </p:nvSpPr>
+        <p:spPr/>
+        <p:txBody>
+          <a:bodyPr/>
+          <a:lstStyle/>
+          <a:p>
+            <a:r>
+              <a:rPr lang="de-DE"/>
+              <a:t>Latency Test Framework</a:t>
+            </a:r>
+            <a:endParaRPr lang="en-US"/>
+          </a:p>
+        </p:txBody>
+      </p:sp>
+      <p:sp>
+        <p:nvSpPr>
+          <p:cNvPr id="4" name="Foliennummernplatzhalter 3">
+            <a:extLst>
+              <a:ext uri="{FF2B5EF4-FFF2-40B4-BE49-F238E27FC236}">
+                <a16:creationId xmlns:a16="http://schemas.microsoft.com/office/drawing/2014/main" id="{5DFDBFB6-BAC4-41BB-87E0-7CD02CAD6D17}"/>
+              </a:ext>
+            </a:extLst>
+          </p:cNvPr>
+          <p:cNvSpPr>
+            <a:spLocks noGrp="1"/>
+          </p:cNvSpPr>
+          <p:nvPr>
+            <p:ph type="sldNum" sz="quarter" idx="10"/>
+          </p:nvPr>
+        </p:nvSpPr>
+        <p:spPr/>
+        <p:txBody>
+          <a:bodyPr/>
+          <a:lstStyle/>
+          <a:p>
+            <a:fld id="{9BBAE405-9238-4745-AB75-58013C9D9462}" type="slidenum">
+              <a:rPr lang="de-DE" smtClean="0"/>
+              <a:t>12</a:t>
+            </a:fld>
+            <a:endParaRPr lang="de-DE" dirty="0"/>
+          </a:p>
+        </p:txBody>
+      </p:sp>
+      <p:pic>
+        <p:nvPicPr>
+          <p:cNvPr id="6" name="Inhaltsplatzhalter 5" descr="Ein Bild, das Person, Boden, drinnen, sitzend enthält.&#10;&#10;Automatisch generierte Beschreibung">
+            <a:extLst>
+              <a:ext uri="{FF2B5EF4-FFF2-40B4-BE49-F238E27FC236}">
+                <a16:creationId xmlns:a16="http://schemas.microsoft.com/office/drawing/2014/main" id="{0E9939CC-FF14-42CF-88A0-6B2D71E5E593}"/>
+              </a:ext>
+            </a:extLst>
+          </p:cNvPr>
+          <p:cNvPicPr>
+            <a:picLocks noGrp="1" noChangeAspect="1"/>
+          </p:cNvPicPr>
+          <p:nvPr>
+            <p:ph sz="half" idx="1"/>
+          </p:nvPr>
+        </p:nvPicPr>
+        <p:blipFill>
+          <a:blip r:embed="rId2" cstate="print">
+            <a:extLst>
+              <a:ext uri="{28A0092B-C50C-407E-A947-70E740481C1C}">
+                <a14:useLocalDpi xmlns:a14="http://schemas.microsoft.com/office/drawing/2010/main" val="0"/>
+              </a:ext>
+            </a:extLst>
+          </a:blip>
+          <a:stretch>
+            <a:fillRect/>
+          </a:stretch>
+        </p:blipFill>
+        <p:spPr>
+          <a:xfrm>
+            <a:off x="3446129" y="2339975"/>
+            <a:ext cx="2972467" cy="3960813"/>
+          </a:xfrm>
+        </p:spPr>
+      </p:pic>
+    </p:spTree>
+    <p:extLst>
+      <p:ext uri="{BB962C8B-B14F-4D97-AF65-F5344CB8AC3E}">
+        <p14:creationId xmlns:p14="http://schemas.microsoft.com/office/powerpoint/2010/main" val="383807356"/>
+      </p:ext>
+    </p:extLst>
+  </p:cSld>
+  <p:clrMapOvr>
+    <a:masterClrMapping/>
+  </p:clrMapOvr>
+</p:sld>
+</file>
+
+<file path=ppt/slides/slide13.xml><?xml version="1.0" encoding="utf-8"?>
+<p:sld xmlns:a="http://schemas.openxmlformats.org/drawingml/2006/main" xmlns:r="http://schemas.openxmlformats.org/officeDocument/2006/relationships" xmlns:p="http://schemas.openxmlformats.org/presentationml/2006/main">
+  <p:cSld>
+    <p:spTree>
+      <p:nvGrpSpPr>
+        <p:cNvPr id="1" name=""/>
+        <p:cNvGrpSpPr/>
+        <p:nvPr/>
+      </p:nvGrpSpPr>
+      <p:grpSpPr>
+        <a:xfrm>
+          <a:off x="0" y="0"/>
+          <a:ext cx="0" cy="0"/>
+          <a:chOff x="0" y="0"/>
+          <a:chExt cx="0" cy="0"/>
+        </a:xfrm>
+      </p:grpSpPr>
+      <p:sp>
+        <p:nvSpPr>
+          <p:cNvPr id="2" name="Titel 1">
+            <a:extLst>
+              <a:ext uri="{FF2B5EF4-FFF2-40B4-BE49-F238E27FC236}">
+                <a16:creationId xmlns:a16="http://schemas.microsoft.com/office/drawing/2014/main" id="{2A42FEB0-5048-4439-BF38-0C19C3532315}"/>
+              </a:ext>
+            </a:extLst>
+          </p:cNvPr>
+          <p:cNvSpPr>
+            <a:spLocks noGrp="1"/>
+          </p:cNvSpPr>
+          <p:nvPr>
+            <p:ph type="title"/>
+          </p:nvPr>
+        </p:nvSpPr>
+        <p:spPr/>
+        <p:txBody>
+          <a:bodyPr/>
+          <a:lstStyle/>
+          <a:p>
+            <a:r>
+              <a:rPr lang="de-DE"/>
+              <a:t>Next Steps</a:t>
+            </a:r>
+            <a:endParaRPr lang="de-DE" dirty="0"/>
+          </a:p>
+        </p:txBody>
+      </p:sp>
+      <p:sp>
+        <p:nvSpPr>
+          <p:cNvPr id="4" name="Foliennummernplatzhalter 3">
+            <a:extLst>
+              <a:ext uri="{FF2B5EF4-FFF2-40B4-BE49-F238E27FC236}">
+                <a16:creationId xmlns:a16="http://schemas.microsoft.com/office/drawing/2014/main" id="{4FCFF55B-CB17-417D-97C3-58B0E9907247}"/>
+              </a:ext>
+            </a:extLst>
+          </p:cNvPr>
+          <p:cNvSpPr>
+            <a:spLocks noGrp="1"/>
+          </p:cNvSpPr>
+          <p:nvPr>
+            <p:ph type="sldNum" sz="quarter" idx="10"/>
+          </p:nvPr>
+        </p:nvSpPr>
+        <p:spPr/>
+        <p:txBody>
+          <a:bodyPr/>
+          <a:lstStyle/>
+          <a:p>
+            <a:fld id="{9BBAE405-9238-4745-AB75-58013C9D9462}" type="slidenum">
+              <a:rPr lang="de-DE" smtClean="0"/>
+              <a:t>13</a:t>
+            </a:fld>
+            <a:endParaRPr lang="de-DE" dirty="0"/>
+          </a:p>
+        </p:txBody>
+      </p:sp>
+      <p:sp>
+        <p:nvSpPr>
+          <p:cNvPr id="3" name="Inhaltsplatzhalter 2">
+            <a:extLst>
+              <a:ext uri="{FF2B5EF4-FFF2-40B4-BE49-F238E27FC236}">
+                <a16:creationId xmlns:a16="http://schemas.microsoft.com/office/drawing/2014/main" id="{7181ACB9-754C-4256-8915-87AB78FCEF1F}"/>
+              </a:ext>
+            </a:extLst>
+          </p:cNvPr>
+          <p:cNvSpPr>
+            <a:spLocks noGrp="1"/>
+          </p:cNvSpPr>
+          <p:nvPr>
+            <p:ph sz="half" idx="1"/>
+          </p:nvPr>
+        </p:nvSpPr>
+        <p:spPr/>
+        <p:txBody>
+          <a:bodyPr/>
+          <a:lstStyle/>
+          <a:p>
+            <a:pPr>
+              <a:buFont typeface="Arial" panose="020B0604020202020204" pitchFamily="34" charset="0"/>
+              <a:buChar char="•"/>
+            </a:pPr>
+            <a:endParaRPr lang="de-DE" dirty="0"/>
+          </a:p>
+          <a:p>
+            <a:pPr>
+              <a:buFont typeface="Arial" panose="020B0604020202020204" pitchFamily="34" charset="0"/>
+              <a:buChar char="•"/>
+            </a:pPr>
+            <a:r>
+              <a:rPr lang="de-DE"/>
+              <a:t>Motion </a:t>
+            </a:r>
+            <a:r>
+              <a:rPr lang="de-DE" dirty="0"/>
+              <a:t>data acquisition framework</a:t>
+            </a:r>
+          </a:p>
+          <a:p>
+            <a:pPr>
+              <a:buFont typeface="Arial" panose="020B0604020202020204" pitchFamily="34" charset="0"/>
+              <a:buChar char="•"/>
+            </a:pPr>
+            <a:endParaRPr lang="de-DE" dirty="0"/>
+          </a:p>
+          <a:p>
+            <a:pPr>
+              <a:buFont typeface="Arial" panose="020B0604020202020204" pitchFamily="34" charset="0"/>
+              <a:buChar char="•"/>
+            </a:pPr>
+            <a:r>
+              <a:rPr lang="en-US" dirty="0"/>
+              <a:t>Gathering test data for NN training</a:t>
+            </a:r>
+          </a:p>
+        </p:txBody>
+      </p:sp>
+    </p:spTree>
+    <p:extLst>
+      <p:ext uri="{BB962C8B-B14F-4D97-AF65-F5344CB8AC3E}">
+        <p14:creationId xmlns:p14="http://schemas.microsoft.com/office/powerpoint/2010/main" val="3341079957"/>
+      </p:ext>
+    </p:extLst>
+  </p:cSld>
+  <p:clrMapOvr>
+    <a:masterClrMapping/>
+  </p:clrMapOvr>
+</p:sld>
+</file>
+
+<file path=ppt/slides/slide14.xml><?xml version="1.0" encoding="utf-8"?>
+<p:sld xmlns:a="http://schemas.openxmlformats.org/drawingml/2006/main" xmlns:r="http://schemas.openxmlformats.org/officeDocument/2006/relationships" xmlns:p="http://schemas.openxmlformats.org/presentationml/2006/main">
+  <p:cSld>
+    <p:spTree>
+      <p:nvGrpSpPr>
+        <p:cNvPr id="1" name=""/>
+        <p:cNvGrpSpPr/>
+        <p:nvPr/>
+      </p:nvGrpSpPr>
+      <p:grpSpPr>
+        <a:xfrm>
+          <a:off x="0" y="0"/>
+          <a:ext cx="0" cy="0"/>
+          <a:chOff x="0" y="0"/>
+          <a:chExt cx="0" cy="0"/>
+        </a:xfrm>
+      </p:grpSpPr>
+      <p:sp>
+        <p:nvSpPr>
           <p:cNvPr id="5" name="Titel 4">
             <a:extLst>
               <a:ext uri="{FF2B5EF4-FFF2-40B4-BE49-F238E27FC236}">
@@ -4234,7 +3338,7 @@
           <a:p>
             <a:fld id="{9BBAE405-9238-4745-AB75-58013C9D9462}" type="slidenum">
               <a:rPr lang="de-DE" smtClean="0"/>
-              <a:t>12</a:t>
+              <a:t>14</a:t>
             </a:fld>
             <a:endParaRPr lang="de-DE" dirty="0"/>
           </a:p>

--- a/02-status-reports/20190606/fehle_halbhuber_sasse_predict_vr_movement.pptx
+++ b/02-status-reports/20190606/fehle_halbhuber_sasse_predict_vr_movement.pptx
@@ -5,10 +5,10 @@
     <p:sldMasterId id="2147483648" r:id="rId1"/>
   </p:sldMasterIdLst>
   <p:notesMasterIdLst>
-    <p:notesMasterId r:id="rId16"/>
+    <p:notesMasterId r:id="rId17"/>
   </p:notesMasterIdLst>
   <p:handoutMasterIdLst>
-    <p:handoutMasterId r:id="rId17"/>
+    <p:handoutMasterId r:id="rId18"/>
   </p:handoutMasterIdLst>
   <p:sldIdLst>
     <p:sldId id="258" r:id="rId2"/>
@@ -23,8 +23,9 @@
     <p:sldId id="289" r:id="rId11"/>
     <p:sldId id="290" r:id="rId12"/>
     <p:sldId id="291" r:id="rId13"/>
-    <p:sldId id="277" r:id="rId14"/>
-    <p:sldId id="273" r:id="rId15"/>
+    <p:sldId id="292" r:id="rId14"/>
+    <p:sldId id="277" r:id="rId15"/>
+    <p:sldId id="273" r:id="rId16"/>
   </p:sldIdLst>
   <p:sldSz cx="9144000" cy="6858000" type="screen4x3"/>
   <p:notesSz cx="6858000" cy="9144000"/>
@@ -140,6 +141,7 @@
             <p14:sldId id="289"/>
             <p14:sldId id="290"/>
             <p14:sldId id="291"/>
+            <p14:sldId id="292"/>
             <p14:sldId id="277"/>
           </p14:sldIdLst>
         </p14:section>
@@ -344,7 +346,7 @@
             <a:fld id="{D43DEED9-C1BB-4DBE-A071-13CC6F6B90F4}" type="slidenum">
               <a:rPr lang="de-DE" smtClean="0"/>
               <a:pPr/>
-              <a:t>‹Nr.›</a:t>
+              <a:t>‹#›</a:t>
             </a:fld>
             <a:endParaRPr lang="de-DE"/>
           </a:p>
@@ -600,7 +602,7 @@
             <a:fld id="{C7C1E745-E753-4EB9-8485-6560CD204B37}" type="slidenum">
               <a:rPr lang="de-DE" smtClean="0"/>
               <a:pPr/>
-              <a:t>‹Nr.›</a:t>
+              <a:t>‹#›</a:t>
             </a:fld>
             <a:endParaRPr lang="de-DE"/>
           </a:p>
@@ -859,7 +861,7 @@
             <a:fld id="{C7C1E745-E753-4EB9-8485-6560CD204B37}" type="slidenum">
               <a:rPr lang="de-DE" smtClean="0"/>
               <a:pPr/>
-              <a:t>13</a:t>
+              <a:t>14</a:t>
             </a:fld>
             <a:endParaRPr lang="de-DE"/>
           </a:p>
@@ -1535,7 +1537,7 @@
           <a:p>
             <a:fld id="{9BBAE405-9238-4745-AB75-58013C9D9462}" type="slidenum">
               <a:rPr lang="de-DE" smtClean="0"/>
-              <a:t>‹Nr.›</a:t>
+              <a:t>‹#›</a:t>
             </a:fld>
             <a:endParaRPr lang="de-DE" dirty="0"/>
           </a:p>
@@ -2356,7 +2358,7 @@
           <a:p>
             <a:fld id="{9BBAE405-9238-4745-AB75-58013C9D9462}" type="slidenum">
               <a:rPr lang="de-DE" smtClean="0"/>
-              <a:t>‹Nr.›</a:t>
+              <a:t>‹#›</a:t>
             </a:fld>
             <a:endParaRPr lang="de-DE" dirty="0"/>
           </a:p>
@@ -3122,10 +3124,10 @@
       </p:grpSpPr>
       <p:sp>
         <p:nvSpPr>
-          <p:cNvPr id="2" name="Titel 1">
+          <p:cNvPr id="2" name="Title 1">
             <a:extLst>
               <a:ext uri="{FF2B5EF4-FFF2-40B4-BE49-F238E27FC236}">
-                <a16:creationId xmlns:a16="http://schemas.microsoft.com/office/drawing/2014/main" id="{2A42FEB0-5048-4439-BF38-0C19C3532315}"/>
+                <a16:creationId xmlns:a16="http://schemas.microsoft.com/office/drawing/2014/main" id="{EF41D4D0-02BB-4F65-8C09-A36871123C7A}"/>
               </a:ext>
             </a:extLst>
           </p:cNvPr>
@@ -3142,19 +3144,18 @@
           <a:lstStyle/>
           <a:p>
             <a:r>
-              <a:rPr lang="de-DE"/>
-              <a:t>Next Steps</a:t>
+              <a:rPr lang="de-DE" dirty="0"/>
+              <a:t>Python Interface</a:t>
             </a:r>
-            <a:endParaRPr lang="de-DE" dirty="0"/>
-          </a:p>
-        </p:txBody>
-      </p:sp>
-      <p:sp>
-        <p:nvSpPr>
-          <p:cNvPr id="4" name="Foliennummernplatzhalter 3">
+          </a:p>
+        </p:txBody>
+      </p:sp>
+      <p:sp>
+        <p:nvSpPr>
+          <p:cNvPr id="4" name="Slide Number Placeholder 3">
             <a:extLst>
               <a:ext uri="{FF2B5EF4-FFF2-40B4-BE49-F238E27FC236}">
-                <a16:creationId xmlns:a16="http://schemas.microsoft.com/office/drawing/2014/main" id="{4FCFF55B-CB17-417D-97C3-58B0E9907247}"/>
+                <a16:creationId xmlns:a16="http://schemas.microsoft.com/office/drawing/2014/main" id="{DF83920B-9BEF-4CBE-B2CB-ABE3B0F25B47}"/>
               </a:ext>
             </a:extLst>
           </p:cNvPr>
@@ -3180,68 +3181,376 @@
       </p:sp>
       <p:sp>
         <p:nvSpPr>
-          <p:cNvPr id="3" name="Inhaltsplatzhalter 2">
+          <p:cNvPr id="5" name="Rechteck: abgerundete Ecken 4">
             <a:extLst>
               <a:ext uri="{FF2B5EF4-FFF2-40B4-BE49-F238E27FC236}">
-                <a16:creationId xmlns:a16="http://schemas.microsoft.com/office/drawing/2014/main" id="{7181ACB9-754C-4256-8915-87AB78FCEF1F}"/>
+                <a16:creationId xmlns:a16="http://schemas.microsoft.com/office/drawing/2014/main" id="{FAF2EDE5-BD8E-4927-9743-9263C9FFABBB}"/>
               </a:ext>
             </a:extLst>
           </p:cNvPr>
-          <p:cNvSpPr>
-            <a:spLocks noGrp="1"/>
-          </p:cNvSpPr>
-          <p:nvPr>
-            <p:ph sz="half" idx="1"/>
-          </p:nvPr>
-        </p:nvSpPr>
-        <p:spPr/>
-        <p:txBody>
-          <a:bodyPr/>
+          <p:cNvSpPr/>
+          <p:nvPr/>
+        </p:nvSpPr>
+        <p:spPr>
+          <a:xfrm>
+            <a:off x="1219368" y="3132374"/>
+            <a:ext cx="1800200" cy="504056"/>
+          </a:xfrm>
+          <a:prstGeom prst="roundRect">
+            <a:avLst/>
+          </a:prstGeom>
+        </p:spPr>
+        <p:style>
+          <a:lnRef idx="2">
+            <a:schemeClr val="accent1">
+              <a:shade val="50000"/>
+            </a:schemeClr>
+          </a:lnRef>
+          <a:fillRef idx="1">
+            <a:schemeClr val="accent1"/>
+          </a:fillRef>
+          <a:effectRef idx="0">
+            <a:schemeClr val="accent1"/>
+          </a:effectRef>
+          <a:fontRef idx="minor">
+            <a:schemeClr val="lt1"/>
+          </a:fontRef>
+        </p:style>
+        <p:txBody>
+          <a:bodyPr rtlCol="0" anchor="ctr"/>
           <a:lstStyle/>
           <a:p>
-            <a:pPr>
-              <a:buFont typeface="Arial" panose="020B0604020202020204" pitchFamily="34" charset="0"/>
-              <a:buChar char="•"/>
-            </a:pPr>
+            <a:pPr algn="ctr"/>
+            <a:r>
+              <a:rPr lang="de-DE" dirty="0" err="1"/>
+              <a:t>OptiTrack</a:t>
+            </a:r>
             <a:endParaRPr lang="de-DE" dirty="0"/>
           </a:p>
-          <a:p>
-            <a:pPr>
-              <a:buFont typeface="Arial" panose="020B0604020202020204" pitchFamily="34" charset="0"/>
-              <a:buChar char="•"/>
-            </a:pPr>
-            <a:r>
-              <a:rPr lang="de-DE"/>
-              <a:t>Motion </a:t>
-            </a:r>
+        </p:txBody>
+      </p:sp>
+      <p:sp>
+        <p:nvSpPr>
+          <p:cNvPr id="6" name="Rechteck: abgerundete Ecken 5">
+            <a:extLst>
+              <a:ext uri="{FF2B5EF4-FFF2-40B4-BE49-F238E27FC236}">
+                <a16:creationId xmlns:a16="http://schemas.microsoft.com/office/drawing/2014/main" id="{3045C0D0-8417-495A-8CB0-B5C909E1BB58}"/>
+              </a:ext>
+            </a:extLst>
+          </p:cNvPr>
+          <p:cNvSpPr/>
+          <p:nvPr/>
+        </p:nvSpPr>
+        <p:spPr>
+          <a:xfrm>
+            <a:off x="3811656" y="3132374"/>
+            <a:ext cx="1800200" cy="504056"/>
+          </a:xfrm>
+          <a:prstGeom prst="roundRect">
+            <a:avLst/>
+          </a:prstGeom>
+        </p:spPr>
+        <p:style>
+          <a:lnRef idx="2">
+            <a:schemeClr val="accent2">
+              <a:shade val="50000"/>
+            </a:schemeClr>
+          </a:lnRef>
+          <a:fillRef idx="1">
+            <a:schemeClr val="accent2"/>
+          </a:fillRef>
+          <a:effectRef idx="0">
+            <a:schemeClr val="accent2"/>
+          </a:effectRef>
+          <a:fontRef idx="minor">
+            <a:schemeClr val="lt1"/>
+          </a:fontRef>
+        </p:style>
+        <p:txBody>
+          <a:bodyPr rtlCol="0" anchor="ctr"/>
+          <a:lstStyle/>
+          <a:p>
+            <a:pPr algn="ctr"/>
             <a:r>
               <a:rPr lang="de-DE" dirty="0"/>
-              <a:t>data acquisition framework</a:t>
+              <a:t>Python-Interface</a:t>
             </a:r>
           </a:p>
-          <a:p>
-            <a:pPr>
-              <a:buFont typeface="Arial" panose="020B0604020202020204" pitchFamily="34" charset="0"/>
-              <a:buChar char="•"/>
-            </a:pPr>
+        </p:txBody>
+      </p:sp>
+      <p:sp>
+        <p:nvSpPr>
+          <p:cNvPr id="7" name="Rechteck: abgerundete Ecken 6">
+            <a:extLst>
+              <a:ext uri="{FF2B5EF4-FFF2-40B4-BE49-F238E27FC236}">
+                <a16:creationId xmlns:a16="http://schemas.microsoft.com/office/drawing/2014/main" id="{899AE766-ACEB-4E03-A441-046F1CB2F0F2}"/>
+              </a:ext>
+            </a:extLst>
+          </p:cNvPr>
+          <p:cNvSpPr/>
+          <p:nvPr/>
+        </p:nvSpPr>
+        <p:spPr>
+          <a:xfrm>
+            <a:off x="6403944" y="3132374"/>
+            <a:ext cx="1800200" cy="504056"/>
+          </a:xfrm>
+          <a:prstGeom prst="roundRect">
+            <a:avLst/>
+          </a:prstGeom>
+        </p:spPr>
+        <p:style>
+          <a:lnRef idx="2">
+            <a:schemeClr val="accent1">
+              <a:shade val="50000"/>
+            </a:schemeClr>
+          </a:lnRef>
+          <a:fillRef idx="1">
+            <a:schemeClr val="accent1"/>
+          </a:fillRef>
+          <a:effectRef idx="0">
+            <a:schemeClr val="accent1"/>
+          </a:effectRef>
+          <a:fontRef idx="minor">
+            <a:schemeClr val="lt1"/>
+          </a:fontRef>
+        </p:style>
+        <p:txBody>
+          <a:bodyPr rtlCol="0" anchor="ctr"/>
+          <a:lstStyle/>
+          <a:p>
+            <a:pPr algn="ctr"/>
+            <a:r>
+              <a:rPr lang="de-DE" dirty="0"/>
+              <a:t>Unity</a:t>
+            </a:r>
+          </a:p>
+        </p:txBody>
+      </p:sp>
+      <p:sp>
+        <p:nvSpPr>
+          <p:cNvPr id="8" name="Rechteck: abgerundete Ecken 7">
+            <a:extLst>
+              <a:ext uri="{FF2B5EF4-FFF2-40B4-BE49-F238E27FC236}">
+                <a16:creationId xmlns:a16="http://schemas.microsoft.com/office/drawing/2014/main" id="{C6776E5D-3D2D-4A46-9685-FB8B95236D4E}"/>
+              </a:ext>
+            </a:extLst>
+          </p:cNvPr>
+          <p:cNvSpPr/>
+          <p:nvPr/>
+        </p:nvSpPr>
+        <p:spPr>
+          <a:xfrm>
+            <a:off x="3811656" y="4142894"/>
+            <a:ext cx="1800200" cy="504056"/>
+          </a:xfrm>
+          <a:prstGeom prst="roundRect">
+            <a:avLst/>
+          </a:prstGeom>
+        </p:spPr>
+        <p:style>
+          <a:lnRef idx="2">
+            <a:schemeClr val="accent2">
+              <a:shade val="50000"/>
+            </a:schemeClr>
+          </a:lnRef>
+          <a:fillRef idx="1">
+            <a:schemeClr val="accent2"/>
+          </a:fillRef>
+          <a:effectRef idx="0">
+            <a:schemeClr val="accent2"/>
+          </a:effectRef>
+          <a:fontRef idx="minor">
+            <a:schemeClr val="lt1"/>
+          </a:fontRef>
+        </p:style>
+        <p:txBody>
+          <a:bodyPr rtlCol="0" anchor="ctr"/>
+          <a:lstStyle/>
+          <a:p>
+            <a:pPr algn="ctr"/>
+            <a:r>
+              <a:rPr lang="de-DE" dirty="0" err="1"/>
+              <a:t>Prediction</a:t>
+            </a:r>
             <a:endParaRPr lang="de-DE" dirty="0"/>
           </a:p>
-          <a:p>
-            <a:pPr>
-              <a:buFont typeface="Arial" panose="020B0604020202020204" pitchFamily="34" charset="0"/>
-              <a:buChar char="•"/>
-            </a:pPr>
-            <a:r>
-              <a:rPr lang="en-US" dirty="0"/>
-              <a:t>Gathering test data for NN training</a:t>
-            </a:r>
-          </a:p>
-        </p:txBody>
-      </p:sp>
+        </p:txBody>
+      </p:sp>
+      <p:cxnSp>
+        <p:nvCxnSpPr>
+          <p:cNvPr id="9" name="Verbinder: gewinkelt 11">
+            <a:extLst>
+              <a:ext uri="{FF2B5EF4-FFF2-40B4-BE49-F238E27FC236}">
+                <a16:creationId xmlns:a16="http://schemas.microsoft.com/office/drawing/2014/main" id="{16CFF166-888E-436B-A77C-30515FD744DB}"/>
+              </a:ext>
+            </a:extLst>
+          </p:cNvPr>
+          <p:cNvCxnSpPr>
+            <a:stCxn id="5" idx="0"/>
+            <a:endCxn id="7" idx="0"/>
+          </p:cNvCxnSpPr>
+          <p:nvPr/>
+        </p:nvCxnSpPr>
+        <p:spPr>
+          <a:xfrm rot="5400000" flipH="1" flipV="1">
+            <a:off x="4711756" y="540086"/>
+            <a:ext cx="12700" cy="5184576"/>
+          </a:xfrm>
+          <a:prstGeom prst="bentConnector3">
+            <a:avLst>
+              <a:gd name="adj1" fmla="val 1800000"/>
+            </a:avLst>
+          </a:prstGeom>
+          <a:ln>
+            <a:tailEnd type="triangle"/>
+          </a:ln>
+        </p:spPr>
+        <p:style>
+          <a:lnRef idx="2">
+            <a:schemeClr val="accent1"/>
+          </a:lnRef>
+          <a:fillRef idx="0">
+            <a:schemeClr val="accent1"/>
+          </a:fillRef>
+          <a:effectRef idx="1">
+            <a:schemeClr val="accent1"/>
+          </a:effectRef>
+          <a:fontRef idx="minor">
+            <a:schemeClr val="tx1"/>
+          </a:fontRef>
+        </p:style>
+      </p:cxnSp>
+      <p:cxnSp>
+        <p:nvCxnSpPr>
+          <p:cNvPr id="10" name="Gerade Verbindung mit Pfeil 13">
+            <a:extLst>
+              <a:ext uri="{FF2B5EF4-FFF2-40B4-BE49-F238E27FC236}">
+                <a16:creationId xmlns:a16="http://schemas.microsoft.com/office/drawing/2014/main" id="{80192DA7-25D2-4724-A0E6-9B1C3800738B}"/>
+              </a:ext>
+            </a:extLst>
+          </p:cNvPr>
+          <p:cNvCxnSpPr>
+            <a:stCxn id="5" idx="3"/>
+            <a:endCxn id="6" idx="1"/>
+          </p:cNvCxnSpPr>
+          <p:nvPr/>
+        </p:nvCxnSpPr>
+        <p:spPr>
+          <a:xfrm>
+            <a:off x="3019568" y="3384402"/>
+            <a:ext cx="792088" cy="0"/>
+          </a:xfrm>
+          <a:prstGeom prst="straightConnector1">
+            <a:avLst/>
+          </a:prstGeom>
+          <a:ln>
+            <a:tailEnd type="triangle"/>
+          </a:ln>
+        </p:spPr>
+        <p:style>
+          <a:lnRef idx="2">
+            <a:schemeClr val="accent2"/>
+          </a:lnRef>
+          <a:fillRef idx="0">
+            <a:schemeClr val="accent2"/>
+          </a:fillRef>
+          <a:effectRef idx="1">
+            <a:schemeClr val="accent2"/>
+          </a:effectRef>
+          <a:fontRef idx="minor">
+            <a:schemeClr val="tx1"/>
+          </a:fontRef>
+        </p:style>
+      </p:cxnSp>
+      <p:cxnSp>
+        <p:nvCxnSpPr>
+          <p:cNvPr id="11" name="Gerade Verbindung mit Pfeil 15">
+            <a:extLst>
+              <a:ext uri="{FF2B5EF4-FFF2-40B4-BE49-F238E27FC236}">
+                <a16:creationId xmlns:a16="http://schemas.microsoft.com/office/drawing/2014/main" id="{C50BADE1-3756-45C4-A008-AA9A1A5F730C}"/>
+              </a:ext>
+            </a:extLst>
+          </p:cNvPr>
+          <p:cNvCxnSpPr>
+            <a:stCxn id="6" idx="2"/>
+            <a:endCxn id="8" idx="0"/>
+          </p:cNvCxnSpPr>
+          <p:nvPr/>
+        </p:nvCxnSpPr>
+        <p:spPr>
+          <a:xfrm>
+            <a:off x="4711756" y="3636430"/>
+            <a:ext cx="0" cy="506464"/>
+          </a:xfrm>
+          <a:prstGeom prst="straightConnector1">
+            <a:avLst/>
+          </a:prstGeom>
+          <a:ln>
+            <a:tailEnd type="triangle"/>
+          </a:ln>
+        </p:spPr>
+        <p:style>
+          <a:lnRef idx="2">
+            <a:schemeClr val="accent2"/>
+          </a:lnRef>
+          <a:fillRef idx="0">
+            <a:schemeClr val="accent2"/>
+          </a:fillRef>
+          <a:effectRef idx="1">
+            <a:schemeClr val="accent2"/>
+          </a:effectRef>
+          <a:fontRef idx="minor">
+            <a:schemeClr val="tx1"/>
+          </a:fontRef>
+        </p:style>
+      </p:cxnSp>
+      <p:cxnSp>
+        <p:nvCxnSpPr>
+          <p:cNvPr id="12" name="Verbinder: gewinkelt 19">
+            <a:extLst>
+              <a:ext uri="{FF2B5EF4-FFF2-40B4-BE49-F238E27FC236}">
+                <a16:creationId xmlns:a16="http://schemas.microsoft.com/office/drawing/2014/main" id="{EA4D8365-89C6-44BC-A0BC-AFB30DF7E3FA}"/>
+              </a:ext>
+            </a:extLst>
+          </p:cNvPr>
+          <p:cNvCxnSpPr>
+            <a:stCxn id="8" idx="3"/>
+            <a:endCxn id="7" idx="2"/>
+          </p:cNvCxnSpPr>
+          <p:nvPr/>
+        </p:nvCxnSpPr>
+        <p:spPr>
+          <a:xfrm flipV="1">
+            <a:off x="5611856" y="3636430"/>
+            <a:ext cx="1692188" cy="758492"/>
+          </a:xfrm>
+          <a:prstGeom prst="bentConnector2">
+            <a:avLst/>
+          </a:prstGeom>
+          <a:ln>
+            <a:tailEnd type="triangle"/>
+          </a:ln>
+        </p:spPr>
+        <p:style>
+          <a:lnRef idx="2">
+            <a:schemeClr val="accent2"/>
+          </a:lnRef>
+          <a:fillRef idx="0">
+            <a:schemeClr val="accent2"/>
+          </a:fillRef>
+          <a:effectRef idx="1">
+            <a:schemeClr val="accent2"/>
+          </a:effectRef>
+          <a:fontRef idx="minor">
+            <a:schemeClr val="tx1"/>
+          </a:fontRef>
+        </p:style>
+      </p:cxnSp>
     </p:spTree>
     <p:extLst>
       <p:ext uri="{BB962C8B-B14F-4D97-AF65-F5344CB8AC3E}">
-        <p14:creationId xmlns:p14="http://schemas.microsoft.com/office/powerpoint/2010/main" val="3341079957"/>
+        <p14:creationId xmlns:p14="http://schemas.microsoft.com/office/powerpoint/2010/main" val="169828271"/>
       </p:ext>
     </p:extLst>
   </p:cSld>
@@ -3270,6 +3579,167 @@
       </p:grpSpPr>
       <p:sp>
         <p:nvSpPr>
+          <p:cNvPr id="2" name="Titel 1">
+            <a:extLst>
+              <a:ext uri="{FF2B5EF4-FFF2-40B4-BE49-F238E27FC236}">
+                <a16:creationId xmlns:a16="http://schemas.microsoft.com/office/drawing/2014/main" id="{2A42FEB0-5048-4439-BF38-0C19C3532315}"/>
+              </a:ext>
+            </a:extLst>
+          </p:cNvPr>
+          <p:cNvSpPr>
+            <a:spLocks noGrp="1"/>
+          </p:cNvSpPr>
+          <p:nvPr>
+            <p:ph type="title"/>
+          </p:nvPr>
+        </p:nvSpPr>
+        <p:spPr/>
+        <p:txBody>
+          <a:bodyPr/>
+          <a:lstStyle/>
+          <a:p>
+            <a:r>
+              <a:rPr lang="de-DE"/>
+              <a:t>Next Steps</a:t>
+            </a:r>
+            <a:endParaRPr lang="de-DE" dirty="0"/>
+          </a:p>
+        </p:txBody>
+      </p:sp>
+      <p:sp>
+        <p:nvSpPr>
+          <p:cNvPr id="4" name="Foliennummernplatzhalter 3">
+            <a:extLst>
+              <a:ext uri="{FF2B5EF4-FFF2-40B4-BE49-F238E27FC236}">
+                <a16:creationId xmlns:a16="http://schemas.microsoft.com/office/drawing/2014/main" id="{4FCFF55B-CB17-417D-97C3-58B0E9907247}"/>
+              </a:ext>
+            </a:extLst>
+          </p:cNvPr>
+          <p:cNvSpPr>
+            <a:spLocks noGrp="1"/>
+          </p:cNvSpPr>
+          <p:nvPr>
+            <p:ph type="sldNum" sz="quarter" idx="10"/>
+          </p:nvPr>
+        </p:nvSpPr>
+        <p:spPr/>
+        <p:txBody>
+          <a:bodyPr/>
+          <a:lstStyle/>
+          <a:p>
+            <a:fld id="{9BBAE405-9238-4745-AB75-58013C9D9462}" type="slidenum">
+              <a:rPr lang="de-DE" smtClean="0"/>
+              <a:t>14</a:t>
+            </a:fld>
+            <a:endParaRPr lang="de-DE" dirty="0"/>
+          </a:p>
+        </p:txBody>
+      </p:sp>
+      <p:sp>
+        <p:nvSpPr>
+          <p:cNvPr id="3" name="Inhaltsplatzhalter 2">
+            <a:extLst>
+              <a:ext uri="{FF2B5EF4-FFF2-40B4-BE49-F238E27FC236}">
+                <a16:creationId xmlns:a16="http://schemas.microsoft.com/office/drawing/2014/main" id="{7181ACB9-754C-4256-8915-87AB78FCEF1F}"/>
+              </a:ext>
+            </a:extLst>
+          </p:cNvPr>
+          <p:cNvSpPr>
+            <a:spLocks noGrp="1"/>
+          </p:cNvSpPr>
+          <p:nvPr>
+            <p:ph sz="half" idx="1"/>
+          </p:nvPr>
+        </p:nvSpPr>
+        <p:spPr/>
+        <p:txBody>
+          <a:bodyPr/>
+          <a:lstStyle/>
+          <a:p>
+            <a:pPr>
+              <a:buFont typeface="Arial" panose="020B0604020202020204" pitchFamily="34" charset="0"/>
+              <a:buChar char="•"/>
+            </a:pPr>
+            <a:endParaRPr lang="de-DE" dirty="0"/>
+          </a:p>
+          <a:p>
+            <a:pPr>
+              <a:buFont typeface="Arial" panose="020B0604020202020204" pitchFamily="34" charset="0"/>
+              <a:buChar char="•"/>
+            </a:pPr>
+            <a:r>
+              <a:rPr lang="de-DE" dirty="0"/>
+              <a:t>Performing the latency test series</a:t>
+            </a:r>
+          </a:p>
+          <a:p>
+            <a:pPr>
+              <a:buFont typeface="Arial" panose="020B0604020202020204" pitchFamily="34" charset="0"/>
+              <a:buChar char="•"/>
+            </a:pPr>
+            <a:endParaRPr lang="de-DE" dirty="0"/>
+          </a:p>
+          <a:p>
+            <a:pPr>
+              <a:buFont typeface="Arial" panose="020B0604020202020204" pitchFamily="34" charset="0"/>
+              <a:buChar char="•"/>
+            </a:pPr>
+            <a:r>
+              <a:rPr lang="de-DE" dirty="0"/>
+              <a:t>Motion data acquisition framework</a:t>
+            </a:r>
+          </a:p>
+          <a:p>
+            <a:pPr>
+              <a:buFont typeface="Arial" panose="020B0604020202020204" pitchFamily="34" charset="0"/>
+              <a:buChar char="•"/>
+            </a:pPr>
+            <a:endParaRPr lang="de-DE" dirty="0"/>
+          </a:p>
+          <a:p>
+            <a:pPr>
+              <a:buFont typeface="Arial" panose="020B0604020202020204" pitchFamily="34" charset="0"/>
+              <a:buChar char="•"/>
+            </a:pPr>
+            <a:r>
+              <a:rPr lang="en-US" dirty="0"/>
+              <a:t>Gathering test data for NN training</a:t>
+            </a:r>
+          </a:p>
+        </p:txBody>
+      </p:sp>
+    </p:spTree>
+    <p:extLst>
+      <p:ext uri="{BB962C8B-B14F-4D97-AF65-F5344CB8AC3E}">
+        <p14:creationId xmlns:p14="http://schemas.microsoft.com/office/powerpoint/2010/main" val="3341079957"/>
+      </p:ext>
+    </p:extLst>
+  </p:cSld>
+  <p:clrMapOvr>
+    <a:masterClrMapping/>
+  </p:clrMapOvr>
+</p:sld>
+</file>
+
+<file path=ppt/slides/slide15.xml><?xml version="1.0" encoding="utf-8"?>
+<p:sld xmlns:a="http://schemas.openxmlformats.org/drawingml/2006/main" xmlns:r="http://schemas.openxmlformats.org/officeDocument/2006/relationships" xmlns:p="http://schemas.openxmlformats.org/presentationml/2006/main">
+  <p:cSld>
+    <p:spTree>
+      <p:nvGrpSpPr>
+        <p:cNvPr id="1" name=""/>
+        <p:cNvGrpSpPr/>
+        <p:nvPr/>
+      </p:nvGrpSpPr>
+      <p:grpSpPr>
+        <a:xfrm>
+          <a:off x="0" y="0"/>
+          <a:ext cx="0" cy="0"/>
+          <a:chOff x="0" y="0"/>
+          <a:chExt cx="0" cy="0"/>
+        </a:xfrm>
+      </p:grpSpPr>
+      <p:sp>
+        <p:nvSpPr>
           <p:cNvPr id="5" name="Titel 4">
             <a:extLst>
               <a:ext uri="{FF2B5EF4-FFF2-40B4-BE49-F238E27FC236}">
@@ -3338,7 +3808,7 @@
           <a:p>
             <a:fld id="{9BBAE405-9238-4745-AB75-58013C9D9462}" type="slidenum">
               <a:rPr lang="de-DE" smtClean="0"/>
-              <a:t>14</a:t>
+              <a:t>15</a:t>
             </a:fld>
             <a:endParaRPr lang="de-DE" dirty="0"/>
           </a:p>
